--- a/Project proposal.pptx
+++ b/Project proposal.pptx
@@ -5,7 +5,7 @@
     <p:sldMasterId id="2147483648" r:id="rId1"/>
   </p:sldMasterIdLst>
   <p:notesMasterIdLst>
-    <p:notesMasterId r:id="rId35"/>
+    <p:notesMasterId r:id="rId36"/>
   </p:notesMasterIdLst>
   <p:sldIdLst>
     <p:sldId id="256" r:id="rId2"/>
@@ -19,28 +19,29 @@
     <p:sldId id="266" r:id="rId10"/>
     <p:sldId id="281" r:id="rId11"/>
     <p:sldId id="284" r:id="rId12"/>
-    <p:sldId id="260" r:id="rId13"/>
-    <p:sldId id="257" r:id="rId14"/>
-    <p:sldId id="267" r:id="rId15"/>
-    <p:sldId id="274" r:id="rId16"/>
-    <p:sldId id="268" r:id="rId17"/>
-    <p:sldId id="275" r:id="rId18"/>
-    <p:sldId id="269" r:id="rId19"/>
-    <p:sldId id="276" r:id="rId20"/>
-    <p:sldId id="270" r:id="rId21"/>
-    <p:sldId id="277" r:id="rId22"/>
-    <p:sldId id="271" r:id="rId23"/>
-    <p:sldId id="278" r:id="rId24"/>
-    <p:sldId id="272" r:id="rId25"/>
-    <p:sldId id="279" r:id="rId26"/>
-    <p:sldId id="273" r:id="rId27"/>
-    <p:sldId id="280" r:id="rId28"/>
-    <p:sldId id="261" r:id="rId29"/>
-    <p:sldId id="262" r:id="rId30"/>
-    <p:sldId id="263" r:id="rId31"/>
-    <p:sldId id="264" r:id="rId32"/>
-    <p:sldId id="265" r:id="rId33"/>
-    <p:sldId id="282" r:id="rId34"/>
+    <p:sldId id="290" r:id="rId13"/>
+    <p:sldId id="260" r:id="rId14"/>
+    <p:sldId id="257" r:id="rId15"/>
+    <p:sldId id="267" r:id="rId16"/>
+    <p:sldId id="274" r:id="rId17"/>
+    <p:sldId id="268" r:id="rId18"/>
+    <p:sldId id="275" r:id="rId19"/>
+    <p:sldId id="269" r:id="rId20"/>
+    <p:sldId id="276" r:id="rId21"/>
+    <p:sldId id="270" r:id="rId22"/>
+    <p:sldId id="277" r:id="rId23"/>
+    <p:sldId id="271" r:id="rId24"/>
+    <p:sldId id="278" r:id="rId25"/>
+    <p:sldId id="272" r:id="rId26"/>
+    <p:sldId id="279" r:id="rId27"/>
+    <p:sldId id="273" r:id="rId28"/>
+    <p:sldId id="280" r:id="rId29"/>
+    <p:sldId id="261" r:id="rId30"/>
+    <p:sldId id="262" r:id="rId31"/>
+    <p:sldId id="263" r:id="rId32"/>
+    <p:sldId id="264" r:id="rId33"/>
+    <p:sldId id="265" r:id="rId34"/>
+    <p:sldId id="282" r:id="rId35"/>
   </p:sldIdLst>
   <p:sldSz cx="12192000" cy="6858000"/>
   <p:notesSz cx="6858000" cy="9144000"/>
@@ -150,11 +151,173 @@
 <file path=ppt/revisionInfo.xml><?xml version="1.0" encoding="utf-8"?>
 <p1510:revInfo xmlns:a="http://schemas.openxmlformats.org/drawingml/2006/main" xmlns:r="http://schemas.openxmlformats.org/officeDocument/2006/relationships" xmlns:p1510="http://schemas.microsoft.com/office/powerpoint/2015/10/main">
   <p1510:revLst>
-    <p1510:client id="{15AD2CBA-21DC-48EC-B7FA-8C4B08C106F7}" v="2766" dt="2023-05-08T13:12:39.528"/>
-    <p1510:client id="{22D69877-94A1-4822-9DD3-236D3AEB3A17}" v="1218" dt="2023-05-08T14:21:09.266"/>
-    <p1510:client id="{ACF109C0-9EA0-4578-9B6C-8B35E632A4B8}" v="2" dt="2023-05-08T11:20:11.082"/>
+    <p1510:client id="{22D9FC09-9E1D-4D4D-ABF1-566B0060666E}" v="2" dt="2023-05-11T10:14:35.418"/>
   </p1510:revLst>
 </p1510:revInfo>
+</file>
+
+<file path=ppt/changesInfos/changesInfo1.xml><?xml version="1.0" encoding="utf-8"?>
+<pc:chgInfo xmlns:a="http://schemas.openxmlformats.org/drawingml/2006/main" xmlns:r="http://schemas.openxmlformats.org/officeDocument/2006/relationships" xmlns:ac="http://schemas.microsoft.com/office/drawing/2013/main/command" xmlns:pc="http://schemas.microsoft.com/office/powerpoint/2013/main/command">
+  <pc:docChgLst>
+    <pc:chgData name="Tine Limberg" userId="a2a66234b645e649" providerId="LiveId" clId="{22D9FC09-9E1D-4D4D-ABF1-566B0060666E}"/>
+    <pc:docChg chg="undo custSel addSld delSld modSld">
+      <pc:chgData name="Tine Limberg" userId="a2a66234b645e649" providerId="LiveId" clId="{22D9FC09-9E1D-4D4D-ABF1-566B0060666E}" dt="2023-05-11T10:21:18.441" v="409" actId="692"/>
+      <pc:docMkLst>
+        <pc:docMk/>
+      </pc:docMkLst>
+      <pc:sldChg chg="addSp delSp modSp add del mod">
+        <pc:chgData name="Tine Limberg" userId="a2a66234b645e649" providerId="LiveId" clId="{22D9FC09-9E1D-4D4D-ABF1-566B0060666E}" dt="2023-05-11T10:14:37.217" v="202" actId="47"/>
+        <pc:sldMkLst>
+          <pc:docMk/>
+          <pc:sldMk cId="3207284846" sldId="289"/>
+        </pc:sldMkLst>
+        <pc:spChg chg="mod">
+          <ac:chgData name="Tine Limberg" userId="a2a66234b645e649" providerId="LiveId" clId="{22D9FC09-9E1D-4D4D-ABF1-566B0060666E}" dt="2023-05-11T10:13:06.492" v="165" actId="207"/>
+          <ac:spMkLst>
+            <pc:docMk/>
+            <pc:sldMk cId="3207284846" sldId="289"/>
+            <ac:spMk id="20" creationId="{B2118D8E-9EE1-7610-435E-2A90A3DADB3A}"/>
+          </ac:spMkLst>
+        </pc:spChg>
+        <pc:spChg chg="mod">
+          <ac:chgData name="Tine Limberg" userId="a2a66234b645e649" providerId="LiveId" clId="{22D9FC09-9E1D-4D4D-ABF1-566B0060666E}" dt="2023-05-11T10:13:44.095" v="200" actId="207"/>
+          <ac:spMkLst>
+            <pc:docMk/>
+            <pc:sldMk cId="3207284846" sldId="289"/>
+            <ac:spMk id="21" creationId="{B3D93231-0E47-E5BC-4FB0-AC46E0784D5E}"/>
+          </ac:spMkLst>
+        </pc:spChg>
+        <pc:spChg chg="add del mod">
+          <ac:chgData name="Tine Limberg" userId="a2a66234b645e649" providerId="LiveId" clId="{22D9FC09-9E1D-4D4D-ABF1-566B0060666E}" dt="2023-05-11T10:10:24.330" v="4" actId="1076"/>
+          <ac:spMkLst>
+            <pc:docMk/>
+            <pc:sldMk cId="3207284846" sldId="289"/>
+            <ac:spMk id="23" creationId="{9A649793-D42F-93F3-7602-1DEFB88860D8}"/>
+          </ac:spMkLst>
+        </pc:spChg>
+        <pc:graphicFrameChg chg="del">
+          <ac:chgData name="Tine Limberg" userId="a2a66234b645e649" providerId="LiveId" clId="{22D9FC09-9E1D-4D4D-ABF1-566B0060666E}" dt="2023-05-11T10:10:16.074" v="1" actId="478"/>
+          <ac:graphicFrameMkLst>
+            <pc:docMk/>
+            <pc:sldMk cId="3207284846" sldId="289"/>
+            <ac:graphicFrameMk id="53" creationId="{C9252DD8-74EB-A8E0-73A8-85F73ED2BB79}"/>
+          </ac:graphicFrameMkLst>
+        </pc:graphicFrameChg>
+      </pc:sldChg>
+      <pc:sldChg chg="delSp modSp add mod">
+        <pc:chgData name="Tine Limberg" userId="a2a66234b645e649" providerId="LiveId" clId="{22D9FC09-9E1D-4D4D-ABF1-566B0060666E}" dt="2023-05-11T10:21:18.441" v="409" actId="692"/>
+        <pc:sldMkLst>
+          <pc:docMk/>
+          <pc:sldMk cId="2178620150" sldId="290"/>
+        </pc:sldMkLst>
+        <pc:spChg chg="mod">
+          <ac:chgData name="Tine Limberg" userId="a2a66234b645e649" providerId="LiveId" clId="{22D9FC09-9E1D-4D4D-ABF1-566B0060666E}" dt="2023-05-11T10:16:53.994" v="318" actId="207"/>
+          <ac:spMkLst>
+            <pc:docMk/>
+            <pc:sldMk cId="2178620150" sldId="290"/>
+            <ac:spMk id="20" creationId="{B2118D8E-9EE1-7610-435E-2A90A3DADB3A}"/>
+          </ac:spMkLst>
+        </pc:spChg>
+        <pc:spChg chg="mod">
+          <ac:chgData name="Tine Limberg" userId="a2a66234b645e649" providerId="LiveId" clId="{22D9FC09-9E1D-4D4D-ABF1-566B0060666E}" dt="2023-05-11T10:20:46.363" v="405" actId="207"/>
+          <ac:spMkLst>
+            <pc:docMk/>
+            <pc:sldMk cId="2178620150" sldId="290"/>
+            <ac:spMk id="21" creationId="{B3D93231-0E47-E5BC-4FB0-AC46E0784D5E}"/>
+          </ac:spMkLst>
+        </pc:spChg>
+        <pc:spChg chg="mod">
+          <ac:chgData name="Tine Limberg" userId="a2a66234b645e649" providerId="LiveId" clId="{22D9FC09-9E1D-4D4D-ABF1-566B0060666E}" dt="2023-05-11T10:17:32.453" v="385" actId="207"/>
+          <ac:spMkLst>
+            <pc:docMk/>
+            <pc:sldMk cId="2178620150" sldId="290"/>
+            <ac:spMk id="23" creationId="{9A649793-D42F-93F3-7602-1DEFB88860D8}"/>
+          </ac:spMkLst>
+        </pc:spChg>
+        <pc:spChg chg="mod">
+          <ac:chgData name="Tine Limberg" userId="a2a66234b645e649" providerId="LiveId" clId="{22D9FC09-9E1D-4D4D-ABF1-566B0060666E}" dt="2023-05-11T10:21:08.534" v="408" actId="207"/>
+          <ac:spMkLst>
+            <pc:docMk/>
+            <pc:sldMk cId="2178620150" sldId="290"/>
+            <ac:spMk id="24" creationId="{5DBD8E1B-2148-BFCC-9752-9E256BB314ED}"/>
+          </ac:spMkLst>
+        </pc:spChg>
+        <pc:spChg chg="mod">
+          <ac:chgData name="Tine Limberg" userId="a2a66234b645e649" providerId="LiveId" clId="{22D9FC09-9E1D-4D4D-ABF1-566B0060666E}" dt="2023-05-11T10:18:35.993" v="392" actId="692"/>
+          <ac:spMkLst>
+            <pc:docMk/>
+            <pc:sldMk cId="2178620150" sldId="290"/>
+            <ac:spMk id="25" creationId="{57CBC6A2-8EF2-528A-0B31-045E169A4D96}"/>
+          </ac:spMkLst>
+        </pc:spChg>
+        <pc:spChg chg="mod">
+          <ac:chgData name="Tine Limberg" userId="a2a66234b645e649" providerId="LiveId" clId="{22D9FC09-9E1D-4D4D-ABF1-566B0060666E}" dt="2023-05-11T10:18:53.319" v="394" actId="692"/>
+          <ac:spMkLst>
+            <pc:docMk/>
+            <pc:sldMk cId="2178620150" sldId="290"/>
+            <ac:spMk id="26" creationId="{D34032A3-201C-E432-BDCA-87AADF4596C9}"/>
+          </ac:spMkLst>
+        </pc:spChg>
+        <pc:spChg chg="mod">
+          <ac:chgData name="Tine Limberg" userId="a2a66234b645e649" providerId="LiveId" clId="{22D9FC09-9E1D-4D4D-ABF1-566B0060666E}" dt="2023-05-11T10:19:04.126" v="395" actId="692"/>
+          <ac:spMkLst>
+            <pc:docMk/>
+            <pc:sldMk cId="2178620150" sldId="290"/>
+            <ac:spMk id="27" creationId="{443A641A-8E78-BCD7-7E85-8EDC691358BA}"/>
+          </ac:spMkLst>
+        </pc:spChg>
+        <pc:spChg chg="mod">
+          <ac:chgData name="Tine Limberg" userId="a2a66234b645e649" providerId="LiveId" clId="{22D9FC09-9E1D-4D4D-ABF1-566B0060666E}" dt="2023-05-11T10:19:12.982" v="396" actId="692"/>
+          <ac:spMkLst>
+            <pc:docMk/>
+            <pc:sldMk cId="2178620150" sldId="290"/>
+            <ac:spMk id="28" creationId="{497C4F9E-AC51-095D-1E37-C0A1A330DAB1}"/>
+          </ac:spMkLst>
+        </pc:spChg>
+        <pc:spChg chg="mod">
+          <ac:chgData name="Tine Limberg" userId="a2a66234b645e649" providerId="LiveId" clId="{22D9FC09-9E1D-4D4D-ABF1-566B0060666E}" dt="2023-05-11T10:19:19.169" v="397" actId="692"/>
+          <ac:spMkLst>
+            <pc:docMk/>
+            <pc:sldMk cId="2178620150" sldId="290"/>
+            <ac:spMk id="29" creationId="{3F7BD3CE-BBDE-1EC2-CEC1-8CA273ACEDC7}"/>
+          </ac:spMkLst>
+        </pc:spChg>
+        <pc:spChg chg="mod">
+          <ac:chgData name="Tine Limberg" userId="a2a66234b645e649" providerId="LiveId" clId="{22D9FC09-9E1D-4D4D-ABF1-566B0060666E}" dt="2023-05-11T10:19:27.123" v="398" actId="692"/>
+          <ac:spMkLst>
+            <pc:docMk/>
+            <pc:sldMk cId="2178620150" sldId="290"/>
+            <ac:spMk id="30" creationId="{FE52A2C8-37F9-BB1B-64DF-2B6F9F8A6F6E}"/>
+          </ac:spMkLst>
+        </pc:spChg>
+        <pc:spChg chg="mod">
+          <ac:chgData name="Tine Limberg" userId="a2a66234b645e649" providerId="LiveId" clId="{22D9FC09-9E1D-4D4D-ABF1-566B0060666E}" dt="2023-05-11T10:19:32.934" v="399" actId="692"/>
+          <ac:spMkLst>
+            <pc:docMk/>
+            <pc:sldMk cId="2178620150" sldId="290"/>
+            <ac:spMk id="31" creationId="{5F7660F3-B241-90FC-3A81-871714BB1A7F}"/>
+          </ac:spMkLst>
+        </pc:spChg>
+        <pc:spChg chg="mod">
+          <ac:chgData name="Tine Limberg" userId="a2a66234b645e649" providerId="LiveId" clId="{22D9FC09-9E1D-4D4D-ABF1-566B0060666E}" dt="2023-05-11T10:21:18.441" v="409" actId="692"/>
+          <ac:spMkLst>
+            <pc:docMk/>
+            <pc:sldMk cId="2178620150" sldId="290"/>
+            <ac:spMk id="32" creationId="{29266791-BE1A-D07B-5420-629BF88FF74D}"/>
+          </ac:spMkLst>
+        </pc:spChg>
+        <pc:graphicFrameChg chg="del">
+          <ac:chgData name="Tine Limberg" userId="a2a66234b645e649" providerId="LiveId" clId="{22D9FC09-9E1D-4D4D-ABF1-566B0060666E}" dt="2023-05-11T10:14:42.170" v="203" actId="478"/>
+          <ac:graphicFrameMkLst>
+            <pc:docMk/>
+            <pc:sldMk cId="2178620150" sldId="290"/>
+            <ac:graphicFrameMk id="53" creationId="{C9252DD8-74EB-A8E0-73A8-85F73ED2BB79}"/>
+          </ac:graphicFrameMkLst>
+        </pc:graphicFrameChg>
+      </pc:sldChg>
+    </pc:docChg>
+  </pc:docChgLst>
+</pc:chgInfo>
 </file>
 
 <file path=ppt/notesMasters/notesMaster1.xml><?xml version="1.0" encoding="utf-8"?>
@@ -239,7 +402,7 @@
           <a:p>
             <a:fld id="{218AD29B-D9F2-4800-BC0C-4315D8B8F26B}" type="datetimeFigureOut">
               <a:rPr lang="de-DE" smtClean="0"/>
-              <a:t>10.05.2023</a:t>
+              <a:t>11.05.2023</a:t>
             </a:fld>
             <a:endParaRPr lang="de-DE"/>
           </a:p>
@@ -666,7 +829,7 @@
           <a:p>
             <a:fld id="{AF4D2E7D-D820-403B-868E-DADD376C615F}" type="slidenum">
               <a:rPr lang="de-DE" smtClean="0"/>
-              <a:t>22</a:t>
+              <a:t>21</a:t>
             </a:fld>
             <a:endParaRPr lang="de-DE"/>
           </a:p>
@@ -675,7 +838,7 @@
     </p:spTree>
     <p:extLst>
       <p:ext uri="{BB962C8B-B14F-4D97-AF65-F5344CB8AC3E}">
-        <p14:creationId xmlns:p14="http://schemas.microsoft.com/office/powerpoint/2010/main" val="167168711"/>
+        <p14:creationId xmlns:p14="http://schemas.microsoft.com/office/powerpoint/2010/main" val="3555143493"/>
       </p:ext>
     </p:extLst>
   </p:cSld>
@@ -753,7 +916,7 @@
           <a:p>
             <a:fld id="{AF4D2E7D-D820-403B-868E-DADD376C615F}" type="slidenum">
               <a:rPr lang="de-DE" smtClean="0"/>
-              <a:t>24</a:t>
+              <a:t>23</a:t>
             </a:fld>
             <a:endParaRPr lang="de-DE"/>
           </a:p>
@@ -762,7 +925,7 @@
     </p:spTree>
     <p:extLst>
       <p:ext uri="{BB962C8B-B14F-4D97-AF65-F5344CB8AC3E}">
-        <p14:creationId xmlns:p14="http://schemas.microsoft.com/office/powerpoint/2010/main" val="1388641448"/>
+        <p14:creationId xmlns:p14="http://schemas.microsoft.com/office/powerpoint/2010/main" val="167168711"/>
       </p:ext>
     </p:extLst>
   </p:cSld>
@@ -840,7 +1003,7 @@
           <a:p>
             <a:fld id="{AF4D2E7D-D820-403B-868E-DADD376C615F}" type="slidenum">
               <a:rPr lang="de-DE" smtClean="0"/>
-              <a:t>26</a:t>
+              <a:t>25</a:t>
             </a:fld>
             <a:endParaRPr lang="de-DE"/>
           </a:p>
@@ -849,7 +1012,7 @@
     </p:spTree>
     <p:extLst>
       <p:ext uri="{BB962C8B-B14F-4D97-AF65-F5344CB8AC3E}">
-        <p14:creationId xmlns:p14="http://schemas.microsoft.com/office/powerpoint/2010/main" val="3206903242"/>
+        <p14:creationId xmlns:p14="http://schemas.microsoft.com/office/powerpoint/2010/main" val="1388641448"/>
       </p:ext>
     </p:extLst>
   </p:cSld>
@@ -904,14 +1067,9 @@
           <a:lstStyle/>
           <a:p>
             <a:r>
-              <a:rPr lang="de-DE" dirty="0"/>
-              <a:t>- </a:t>
-            </a:r>
-            <a:r>
-              <a:rPr lang="de-DE" dirty="0" err="1"/>
-              <a:t>srg</a:t>
-            </a:r>
-            <a:endParaRPr lang="de-DE" dirty="0"/>
+              <a:rPr lang="de-DE"/>
+              <a:t>Milestone</a:t>
+            </a:r>
           </a:p>
         </p:txBody>
       </p:sp>
@@ -932,7 +1090,99 @@
           <a:p>
             <a:fld id="{AF4D2E7D-D820-403B-868E-DADD376C615F}" type="slidenum">
               <a:rPr lang="de-DE" smtClean="0"/>
-              <a:t>32</a:t>
+              <a:t>27</a:t>
+            </a:fld>
+            <a:endParaRPr lang="de-DE"/>
+          </a:p>
+        </p:txBody>
+      </p:sp>
+    </p:spTree>
+    <p:extLst>
+      <p:ext uri="{BB962C8B-B14F-4D97-AF65-F5344CB8AC3E}">
+        <p14:creationId xmlns:p14="http://schemas.microsoft.com/office/powerpoint/2010/main" val="3206903242"/>
+      </p:ext>
+    </p:extLst>
+  </p:cSld>
+  <p:clrMapOvr>
+    <a:masterClrMapping/>
+  </p:clrMapOvr>
+</p:notes>
+</file>
+
+<file path=ppt/notesSlides/notesSlide14.xml><?xml version="1.0" encoding="utf-8"?>
+<p:notes xmlns:a="http://schemas.openxmlformats.org/drawingml/2006/main" xmlns:r="http://schemas.openxmlformats.org/officeDocument/2006/relationships" xmlns:p="http://schemas.openxmlformats.org/presentationml/2006/main">
+  <p:cSld>
+    <p:spTree>
+      <p:nvGrpSpPr>
+        <p:cNvPr id="1" name=""/>
+        <p:cNvGrpSpPr/>
+        <p:nvPr/>
+      </p:nvGrpSpPr>
+      <p:grpSpPr>
+        <a:xfrm>
+          <a:off x="0" y="0"/>
+          <a:ext cx="0" cy="0"/>
+          <a:chOff x="0" y="0"/>
+          <a:chExt cx="0" cy="0"/>
+        </a:xfrm>
+      </p:grpSpPr>
+      <p:sp>
+        <p:nvSpPr>
+          <p:cNvPr id="2" name="Folienbildplatzhalter 1"/>
+          <p:cNvSpPr>
+            <a:spLocks noGrp="1" noRot="1" noChangeAspect="1"/>
+          </p:cNvSpPr>
+          <p:nvPr>
+            <p:ph type="sldImg"/>
+          </p:nvPr>
+        </p:nvSpPr>
+        <p:spPr/>
+      </p:sp>
+      <p:sp>
+        <p:nvSpPr>
+          <p:cNvPr id="3" name="Notizenplatzhalter 2"/>
+          <p:cNvSpPr>
+            <a:spLocks noGrp="1"/>
+          </p:cNvSpPr>
+          <p:nvPr>
+            <p:ph type="body" idx="1"/>
+          </p:nvPr>
+        </p:nvSpPr>
+        <p:spPr/>
+        <p:txBody>
+          <a:bodyPr/>
+          <a:lstStyle/>
+          <a:p>
+            <a:r>
+              <a:rPr lang="de-DE" dirty="0"/>
+              <a:t>- </a:t>
+            </a:r>
+            <a:r>
+              <a:rPr lang="de-DE" dirty="0" err="1"/>
+              <a:t>srg</a:t>
+            </a:r>
+            <a:endParaRPr lang="de-DE" dirty="0"/>
+          </a:p>
+        </p:txBody>
+      </p:sp>
+      <p:sp>
+        <p:nvSpPr>
+          <p:cNvPr id="4" name="Foliennummernplatzhalter 3"/>
+          <p:cNvSpPr>
+            <a:spLocks noGrp="1"/>
+          </p:cNvSpPr>
+          <p:nvPr>
+            <p:ph type="sldNum" sz="quarter" idx="5"/>
+          </p:nvPr>
+        </p:nvSpPr>
+        <p:spPr/>
+        <p:txBody>
+          <a:bodyPr/>
+          <a:lstStyle/>
+          <a:p>
+            <a:fld id="{AF4D2E7D-D820-403B-868E-DADD376C615F}" type="slidenum">
+              <a:rPr lang="de-DE" smtClean="0"/>
+              <a:t>33</a:t>
             </a:fld>
             <a:endParaRPr lang="de-DE"/>
           </a:p>
@@ -1206,7 +1456,7 @@
     </p:spTree>
     <p:extLst>
       <p:ext uri="{BB962C8B-B14F-4D97-AF65-F5344CB8AC3E}">
-        <p14:creationId xmlns:p14="http://schemas.microsoft.com/office/powerpoint/2010/main" val="2196353406"/>
+        <p14:creationId xmlns:p14="http://schemas.microsoft.com/office/powerpoint/2010/main" val="2014928058"/>
       </p:ext>
     </p:extLst>
   </p:cSld>
@@ -1260,89 +1510,10 @@
           <a:bodyPr/>
           <a:lstStyle/>
           <a:p>
-            <a:pPr marL="457200" indent="-457200">
-              <a:buFont typeface="Arial" panose="020B0604020202020204" pitchFamily="34" charset="0"/>
-              <a:buChar char="•"/>
-            </a:pPr>
-            <a:r>
-              <a:rPr lang="en-GB" sz="1200">
-                <a:solidFill>
-                  <a:schemeClr val="bg1"/>
-                </a:solidFill>
-              </a:rPr>
-              <a:t>change class to numeric</a:t>
-            </a:r>
-          </a:p>
-          <a:p>
-            <a:pPr marL="457200" indent="-457200">
-              <a:buFont typeface="Arial" panose="020B0604020202020204" pitchFamily="34" charset="0"/>
-              <a:buChar char="•"/>
-            </a:pPr>
-            <a:r>
-              <a:rPr lang="en-GB" sz="1200">
-                <a:solidFill>
-                  <a:schemeClr val="bg1"/>
-                </a:solidFill>
-              </a:rPr>
-              <a:t>analysis of zero’s</a:t>
-            </a:r>
-          </a:p>
-          <a:p>
-            <a:pPr marL="457200" indent="-457200">
-              <a:buFont typeface="Arial" panose="020B0604020202020204" pitchFamily="34" charset="0"/>
-              <a:buChar char="•"/>
-            </a:pPr>
-            <a:r>
-              <a:rPr lang="en-GB" sz="1200">
-                <a:solidFill>
-                  <a:schemeClr val="bg1"/>
-                </a:solidFill>
-              </a:rPr>
-              <a:t>normalization protein quantity </a:t>
-            </a:r>
-          </a:p>
-          <a:p>
-            <a:pPr marL="457200" indent="-457200">
-              <a:buFont typeface="Arial" panose="020B0604020202020204" pitchFamily="34" charset="0"/>
-              <a:buChar char="•"/>
-            </a:pPr>
-            <a:r>
-              <a:rPr lang="en-GB" sz="1200">
-                <a:solidFill>
-                  <a:schemeClr val="bg1"/>
-                </a:solidFill>
-              </a:rPr>
-              <a:t>deepen biological background and research of biological question</a:t>
-            </a:r>
-          </a:p>
-          <a:p>
-            <a:endParaRPr lang="de-DE"/>
-          </a:p>
-          <a:p>
-            <a:endParaRPr lang="de-DE"/>
-          </a:p>
-          <a:p>
-            <a:pPr marL="457200" indent="-457200">
-              <a:buFont typeface="Calibri" panose="020F0502020204030204" pitchFamily="34" charset="0"/>
-              <a:buChar char="→"/>
-            </a:pPr>
-            <a:r>
-              <a:rPr lang="en-GB" sz="1200"/>
-              <a:t>prepare dataset for analysis</a:t>
-            </a:r>
-          </a:p>
-          <a:p>
-            <a:pPr marL="457200" indent="-457200">
-              <a:buFont typeface="Calibri" panose="020F0502020204030204" pitchFamily="34" charset="0"/>
-              <a:buChar char="→"/>
-            </a:pPr>
-            <a:r>
-              <a:rPr lang="en-GB" sz="1200"/>
-              <a:t>better understanding of biological question</a:t>
-            </a:r>
-          </a:p>
-          <a:p>
-            <a:endParaRPr lang="de-DE"/>
+            <a:r>
+              <a:rPr lang="de-DE"/>
+              <a:t>Milestone</a:t>
+            </a:r>
           </a:p>
         </p:txBody>
       </p:sp>
@@ -1372,7 +1543,7 @@
     </p:spTree>
     <p:extLst>
       <p:ext uri="{BB962C8B-B14F-4D97-AF65-F5344CB8AC3E}">
-        <p14:creationId xmlns:p14="http://schemas.microsoft.com/office/powerpoint/2010/main" val="3682199340"/>
+        <p14:creationId xmlns:p14="http://schemas.microsoft.com/office/powerpoint/2010/main" val="2196353406"/>
       </p:ext>
     </p:extLst>
   </p:cSld>
@@ -1426,10 +1597,89 @@
           <a:bodyPr/>
           <a:lstStyle/>
           <a:p>
-            <a:r>
-              <a:rPr lang="de-DE"/>
-              <a:t>Milestone</a:t>
-            </a:r>
+            <a:pPr marL="457200" indent="-457200">
+              <a:buFont typeface="Arial" panose="020B0604020202020204" pitchFamily="34" charset="0"/>
+              <a:buChar char="•"/>
+            </a:pPr>
+            <a:r>
+              <a:rPr lang="en-GB" sz="1200">
+                <a:solidFill>
+                  <a:schemeClr val="bg1"/>
+                </a:solidFill>
+              </a:rPr>
+              <a:t>change class to numeric</a:t>
+            </a:r>
+          </a:p>
+          <a:p>
+            <a:pPr marL="457200" indent="-457200">
+              <a:buFont typeface="Arial" panose="020B0604020202020204" pitchFamily="34" charset="0"/>
+              <a:buChar char="•"/>
+            </a:pPr>
+            <a:r>
+              <a:rPr lang="en-GB" sz="1200">
+                <a:solidFill>
+                  <a:schemeClr val="bg1"/>
+                </a:solidFill>
+              </a:rPr>
+              <a:t>analysis of zero’s</a:t>
+            </a:r>
+          </a:p>
+          <a:p>
+            <a:pPr marL="457200" indent="-457200">
+              <a:buFont typeface="Arial" panose="020B0604020202020204" pitchFamily="34" charset="0"/>
+              <a:buChar char="•"/>
+            </a:pPr>
+            <a:r>
+              <a:rPr lang="en-GB" sz="1200">
+                <a:solidFill>
+                  <a:schemeClr val="bg1"/>
+                </a:solidFill>
+              </a:rPr>
+              <a:t>normalization protein quantity </a:t>
+            </a:r>
+          </a:p>
+          <a:p>
+            <a:pPr marL="457200" indent="-457200">
+              <a:buFont typeface="Arial" panose="020B0604020202020204" pitchFamily="34" charset="0"/>
+              <a:buChar char="•"/>
+            </a:pPr>
+            <a:r>
+              <a:rPr lang="en-GB" sz="1200">
+                <a:solidFill>
+                  <a:schemeClr val="bg1"/>
+                </a:solidFill>
+              </a:rPr>
+              <a:t>deepen biological background and research of biological question</a:t>
+            </a:r>
+          </a:p>
+          <a:p>
+            <a:endParaRPr lang="de-DE"/>
+          </a:p>
+          <a:p>
+            <a:endParaRPr lang="de-DE"/>
+          </a:p>
+          <a:p>
+            <a:pPr marL="457200" indent="-457200">
+              <a:buFont typeface="Calibri" panose="020F0502020204030204" pitchFamily="34" charset="0"/>
+              <a:buChar char="→"/>
+            </a:pPr>
+            <a:r>
+              <a:rPr lang="en-GB" sz="1200"/>
+              <a:t>prepare dataset for analysis</a:t>
+            </a:r>
+          </a:p>
+          <a:p>
+            <a:pPr marL="457200" indent="-457200">
+              <a:buFont typeface="Calibri" panose="020F0502020204030204" pitchFamily="34" charset="0"/>
+              <a:buChar char="→"/>
+            </a:pPr>
+            <a:r>
+              <a:rPr lang="en-GB" sz="1200"/>
+              <a:t>better understanding of biological question</a:t>
+            </a:r>
+          </a:p>
+          <a:p>
+            <a:endParaRPr lang="de-DE"/>
           </a:p>
         </p:txBody>
       </p:sp>
@@ -1459,7 +1709,7 @@
     </p:spTree>
     <p:extLst>
       <p:ext uri="{BB962C8B-B14F-4D97-AF65-F5344CB8AC3E}">
-        <p14:creationId xmlns:p14="http://schemas.microsoft.com/office/powerpoint/2010/main" val="3954537581"/>
+        <p14:creationId xmlns:p14="http://schemas.microsoft.com/office/powerpoint/2010/main" val="3682199340"/>
       </p:ext>
     </p:extLst>
   </p:cSld>
@@ -1537,7 +1787,7 @@
           <a:p>
             <a:fld id="{AF4D2E7D-D820-403B-868E-DADD376C615F}" type="slidenum">
               <a:rPr lang="de-DE" smtClean="0"/>
-              <a:t>16</a:t>
+              <a:t>15</a:t>
             </a:fld>
             <a:endParaRPr lang="de-DE"/>
           </a:p>
@@ -1546,7 +1796,7 @@
     </p:spTree>
     <p:extLst>
       <p:ext uri="{BB962C8B-B14F-4D97-AF65-F5344CB8AC3E}">
-        <p14:creationId xmlns:p14="http://schemas.microsoft.com/office/powerpoint/2010/main" val="437207637"/>
+        <p14:creationId xmlns:p14="http://schemas.microsoft.com/office/powerpoint/2010/main" val="3954537581"/>
       </p:ext>
     </p:extLst>
   </p:cSld>
@@ -1624,7 +1874,7 @@
           <a:p>
             <a:fld id="{AF4D2E7D-D820-403B-868E-DADD376C615F}" type="slidenum">
               <a:rPr lang="de-DE" smtClean="0"/>
-              <a:t>18</a:t>
+              <a:t>17</a:t>
             </a:fld>
             <a:endParaRPr lang="de-DE"/>
           </a:p>
@@ -1633,7 +1883,7 @@
     </p:spTree>
     <p:extLst>
       <p:ext uri="{BB962C8B-B14F-4D97-AF65-F5344CB8AC3E}">
-        <p14:creationId xmlns:p14="http://schemas.microsoft.com/office/powerpoint/2010/main" val="423500967"/>
+        <p14:creationId xmlns:p14="http://schemas.microsoft.com/office/powerpoint/2010/main" val="437207637"/>
       </p:ext>
     </p:extLst>
   </p:cSld>
@@ -1711,7 +1961,7 @@
           <a:p>
             <a:fld id="{AF4D2E7D-D820-403B-868E-DADD376C615F}" type="slidenum">
               <a:rPr lang="de-DE" smtClean="0"/>
-              <a:t>20</a:t>
+              <a:t>19</a:t>
             </a:fld>
             <a:endParaRPr lang="de-DE"/>
           </a:p>
@@ -1720,7 +1970,7 @@
     </p:spTree>
     <p:extLst>
       <p:ext uri="{BB962C8B-B14F-4D97-AF65-F5344CB8AC3E}">
-        <p14:creationId xmlns:p14="http://schemas.microsoft.com/office/powerpoint/2010/main" val="3555143493"/>
+        <p14:creationId xmlns:p14="http://schemas.microsoft.com/office/powerpoint/2010/main" val="423500967"/>
       </p:ext>
     </p:extLst>
   </p:cSld>
@@ -1877,7 +2127,7 @@
           <a:p>
             <a:fld id="{A3E4B7AC-FD90-4A95-BAD1-F39B5140037E}" type="datetimeFigureOut">
               <a:rPr lang="de-DE" smtClean="0"/>
-              <a:t>10.05.2023</a:t>
+              <a:t>11.05.2023</a:t>
             </a:fld>
             <a:endParaRPr lang="de-DE"/>
           </a:p>
@@ -2075,7 +2325,7 @@
           <a:p>
             <a:fld id="{A3E4B7AC-FD90-4A95-BAD1-F39B5140037E}" type="datetimeFigureOut">
               <a:rPr lang="de-DE" smtClean="0"/>
-              <a:t>10.05.2023</a:t>
+              <a:t>11.05.2023</a:t>
             </a:fld>
             <a:endParaRPr lang="de-DE"/>
           </a:p>
@@ -2481,7 +2731,7 @@
           <a:p>
             <a:fld id="{A3E4B7AC-FD90-4A95-BAD1-F39B5140037E}" type="datetimeFigureOut">
               <a:rPr lang="de-DE" smtClean="0"/>
-              <a:t>10.05.2023</a:t>
+              <a:t>11.05.2023</a:t>
             </a:fld>
             <a:endParaRPr lang="de-DE"/>
           </a:p>
@@ -3107,7 +3357,7 @@
           <a:p>
             <a:fld id="{A3E4B7AC-FD90-4A95-BAD1-F39B5140037E}" type="datetimeFigureOut">
               <a:rPr lang="de-DE" smtClean="0"/>
-              <a:t>10.05.2023</a:t>
+              <a:t>11.05.2023</a:t>
             </a:fld>
             <a:endParaRPr lang="de-DE"/>
           </a:p>
@@ -3580,7 +3830,7 @@
           <a:p>
             <a:fld id="{A3E4B7AC-FD90-4A95-BAD1-F39B5140037E}" type="datetimeFigureOut">
               <a:rPr lang="de-DE" smtClean="0"/>
-              <a:t>10.05.2023</a:t>
+              <a:t>11.05.2023</a:t>
             </a:fld>
             <a:endParaRPr lang="de-DE"/>
           </a:p>
@@ -4120,7 +4370,7 @@
           <a:p>
             <a:fld id="{A3E4B7AC-FD90-4A95-BAD1-F39B5140037E}" type="datetimeFigureOut">
               <a:rPr lang="de-DE" smtClean="0"/>
-              <a:t>10.05.2023</a:t>
+              <a:t>11.05.2023</a:t>
             </a:fld>
             <a:endParaRPr lang="de-DE"/>
           </a:p>
@@ -4797,7 +5047,7 @@
           <a:p>
             <a:fld id="{A3E4B7AC-FD90-4A95-BAD1-F39B5140037E}" type="datetimeFigureOut">
               <a:rPr lang="de-DE" smtClean="0"/>
-              <a:t>10.05.2023</a:t>
+              <a:t>11.05.2023</a:t>
             </a:fld>
             <a:endParaRPr lang="de-DE"/>
           </a:p>
@@ -5350,7 +5600,7 @@
           <a:p>
             <a:fld id="{A3E4B7AC-FD90-4A95-BAD1-F39B5140037E}" type="datetimeFigureOut">
               <a:rPr lang="de-DE" smtClean="0"/>
-              <a:t>10.05.2023</a:t>
+              <a:t>11.05.2023</a:t>
             </a:fld>
             <a:endParaRPr lang="de-DE"/>
           </a:p>
@@ -5604,7 +5854,7 @@
           <a:p>
             <a:fld id="{A3E4B7AC-FD90-4A95-BAD1-F39B5140037E}" type="datetimeFigureOut">
               <a:rPr lang="de-DE" smtClean="0"/>
-              <a:t>10.05.2023</a:t>
+              <a:t>11.05.2023</a:t>
             </a:fld>
             <a:endParaRPr lang="de-DE"/>
           </a:p>
@@ -6028,7 +6278,7 @@
           <a:p>
             <a:fld id="{A3E4B7AC-FD90-4A95-BAD1-F39B5140037E}" type="datetimeFigureOut">
               <a:rPr lang="de-DE" smtClean="0"/>
-              <a:t>10.05.2023</a:t>
+              <a:t>11.05.2023</a:t>
             </a:fld>
             <a:endParaRPr lang="de-DE"/>
           </a:p>
@@ -6627,7 +6877,7 @@
           <a:p>
             <a:fld id="{A3E4B7AC-FD90-4A95-BAD1-F39B5140037E}" type="datetimeFigureOut">
               <a:rPr lang="de-DE" smtClean="0"/>
-              <a:t>10.05.2023</a:t>
+              <a:t>11.05.2023</a:t>
             </a:fld>
             <a:endParaRPr lang="de-DE"/>
           </a:p>
@@ -7156,7 +7406,7 @@
           <a:p>
             <a:fld id="{A3E4B7AC-FD90-4A95-BAD1-F39B5140037E}" type="datetimeFigureOut">
               <a:rPr lang="de-DE" smtClean="0"/>
-              <a:t>10.05.2023</a:t>
+              <a:t>11.05.2023</a:t>
             </a:fld>
             <a:endParaRPr lang="de-DE"/>
           </a:p>
@@ -8696,6 +8946,1935 @@
 </file>
 
 <file path=ppt/slides/slide12.xml><?xml version="1.0" encoding="utf-8"?>
+<p:sld xmlns:a="http://schemas.openxmlformats.org/drawingml/2006/main" xmlns:r="http://schemas.openxmlformats.org/officeDocument/2006/relationships" xmlns:p="http://schemas.openxmlformats.org/presentationml/2006/main">
+  <p:cSld>
+    <p:spTree>
+      <p:nvGrpSpPr>
+        <p:cNvPr id="1" name=""/>
+        <p:cNvGrpSpPr/>
+        <p:nvPr/>
+      </p:nvGrpSpPr>
+      <p:grpSpPr>
+        <a:xfrm>
+          <a:off x="0" y="0"/>
+          <a:ext cx="0" cy="0"/>
+          <a:chOff x="0" y="0"/>
+          <a:chExt cx="0" cy="0"/>
+        </a:xfrm>
+      </p:grpSpPr>
+      <p:sp>
+        <p:nvSpPr>
+          <p:cNvPr id="2" name="Textfeld 1">
+            <a:extLst>
+              <a:ext uri="{FF2B5EF4-FFF2-40B4-BE49-F238E27FC236}">
+                <a16:creationId xmlns:a16="http://schemas.microsoft.com/office/drawing/2014/main" id="{B36DC1F4-E535-AC3D-BD27-F293F35BA79F}"/>
+              </a:ext>
+            </a:extLst>
+          </p:cNvPr>
+          <p:cNvSpPr txBox="1"/>
+          <p:nvPr/>
+        </p:nvSpPr>
+        <p:spPr>
+          <a:xfrm>
+            <a:off x="0" y="261226"/>
+            <a:ext cx="12192000" cy="707886"/>
+          </a:xfrm>
+          <a:prstGeom prst="rect">
+            <a:avLst/>
+          </a:prstGeom>
+          <a:noFill/>
+        </p:spPr>
+        <p:txBody>
+          <a:bodyPr wrap="square">
+            <a:spAutoFit/>
+          </a:bodyPr>
+          <a:lstStyle/>
+          <a:p>
+            <a:r>
+              <a:rPr lang="de-DE" sz="4000">
+                <a:latin typeface="Arial" panose="020B0604020202020204" pitchFamily="34" charset="0"/>
+                <a:cs typeface="Arial" panose="020B0604020202020204" pitchFamily="34" charset="0"/>
+              </a:rPr>
+              <a:t>	TIMELINE</a:t>
+            </a:r>
+          </a:p>
+        </p:txBody>
+      </p:sp>
+      <p:cxnSp>
+        <p:nvCxnSpPr>
+          <p:cNvPr id="3" name="Gerader Verbinder 2">
+            <a:extLst>
+              <a:ext uri="{FF2B5EF4-FFF2-40B4-BE49-F238E27FC236}">
+                <a16:creationId xmlns:a16="http://schemas.microsoft.com/office/drawing/2014/main" id="{8F60900B-8F5E-91AD-0AC2-C90A7FADA2E0}"/>
+              </a:ext>
+            </a:extLst>
+          </p:cNvPr>
+          <p:cNvCxnSpPr/>
+          <p:nvPr/>
+        </p:nvCxnSpPr>
+        <p:spPr>
+          <a:xfrm>
+            <a:off x="0" y="1004415"/>
+            <a:ext cx="12269096" cy="0"/>
+          </a:xfrm>
+          <a:prstGeom prst="line">
+            <a:avLst/>
+          </a:prstGeom>
+          <a:ln w="12700"/>
+        </p:spPr>
+        <p:style>
+          <a:lnRef idx="1">
+            <a:schemeClr val="dk1"/>
+          </a:lnRef>
+          <a:fillRef idx="0">
+            <a:schemeClr val="dk1"/>
+          </a:fillRef>
+          <a:effectRef idx="0">
+            <a:schemeClr val="dk1"/>
+          </a:effectRef>
+          <a:fontRef idx="minor">
+            <a:schemeClr val="tx1"/>
+          </a:fontRef>
+        </p:style>
+      </p:cxnSp>
+      <p:grpSp>
+        <p:nvGrpSpPr>
+          <p:cNvPr id="33" name="Gruppieren 32">
+            <a:extLst>
+              <a:ext uri="{FF2B5EF4-FFF2-40B4-BE49-F238E27FC236}">
+                <a16:creationId xmlns:a16="http://schemas.microsoft.com/office/drawing/2014/main" id="{4AD2B47D-96A2-F5C2-3396-43A3849873E8}"/>
+              </a:ext>
+            </a:extLst>
+          </p:cNvPr>
+          <p:cNvGrpSpPr/>
+          <p:nvPr/>
+        </p:nvGrpSpPr>
+        <p:grpSpPr>
+          <a:xfrm>
+            <a:off x="53454" y="2654042"/>
+            <a:ext cx="12098739" cy="1746914"/>
+            <a:chOff x="326666" y="3219022"/>
+            <a:chExt cx="11541219" cy="1303763"/>
+          </a:xfrm>
+        </p:grpSpPr>
+        <p:grpSp>
+          <p:nvGrpSpPr>
+            <p:cNvPr id="22" name="Gruppieren 21">
+              <a:extLst>
+                <a:ext uri="{FF2B5EF4-FFF2-40B4-BE49-F238E27FC236}">
+                  <a16:creationId xmlns:a16="http://schemas.microsoft.com/office/drawing/2014/main" id="{03FDB9A1-4D79-F56E-AE39-92F7571EEB8F}"/>
+                </a:ext>
+              </a:extLst>
+            </p:cNvPr>
+            <p:cNvGrpSpPr/>
+            <p:nvPr/>
+          </p:nvGrpSpPr>
+          <p:grpSpPr>
+            <a:xfrm>
+              <a:off x="401592" y="3219022"/>
+              <a:ext cx="11388816" cy="1303763"/>
+              <a:chOff x="873456" y="1731416"/>
+              <a:chExt cx="11388816" cy="1303763"/>
+            </a:xfrm>
+          </p:grpSpPr>
+          <p:sp>
+            <p:nvSpPr>
+              <p:cNvPr id="20" name="Freihandform: Form 22" descr="Zeitachse ">
+                <a:extLst>
+                  <a:ext uri="{FF2B5EF4-FFF2-40B4-BE49-F238E27FC236}">
+                    <a16:creationId xmlns:a16="http://schemas.microsoft.com/office/drawing/2014/main" id="{B2118D8E-9EE1-7610-435E-2A90A3DADB3A}"/>
+                  </a:ext>
+                </a:extLst>
+              </p:cNvPr>
+              <p:cNvSpPr/>
+              <p:nvPr/>
+            </p:nvSpPr>
+            <p:spPr>
+              <a:xfrm flipH="1" flipV="1">
+                <a:off x="873456" y="1745064"/>
+                <a:ext cx="5723270" cy="1290115"/>
+              </a:xfrm>
+              <a:custGeom>
+                <a:avLst/>
+                <a:gdLst>
+                  <a:gd name="connsiteX0" fmla="*/ 1192508 w 9252295"/>
+                  <a:gd name="connsiteY0" fmla="*/ 2410190 h 2410190"/>
+                  <a:gd name="connsiteX1" fmla="*/ 0 w 9252295"/>
+                  <a:gd name="connsiteY1" fmla="*/ 1217682 h 2410190"/>
+                  <a:gd name="connsiteX2" fmla="*/ 1107 w 9252295"/>
+                  <a:gd name="connsiteY2" fmla="*/ 1206703 h 2410190"/>
+                  <a:gd name="connsiteX3" fmla="*/ 96158 w 9252295"/>
+                  <a:gd name="connsiteY3" fmla="*/ 1206703 h 2410190"/>
+                  <a:gd name="connsiteX4" fmla="*/ 95051 w 9252295"/>
+                  <a:gd name="connsiteY4" fmla="*/ 1217682 h 2410190"/>
+                  <a:gd name="connsiteX5" fmla="*/ 1192508 w 9252295"/>
+                  <a:gd name="connsiteY5" fmla="*/ 2315139 h 2410190"/>
+                  <a:gd name="connsiteX6" fmla="*/ 2289965 w 9252295"/>
+                  <a:gd name="connsiteY6" fmla="*/ 1217682 h 2410190"/>
+                  <a:gd name="connsiteX7" fmla="*/ 2289554 w 9252295"/>
+                  <a:gd name="connsiteY7" fmla="*/ 1209531 h 2410190"/>
+                  <a:gd name="connsiteX8" fmla="*/ 2290085 w 9252295"/>
+                  <a:gd name="connsiteY8" fmla="*/ 1209531 h 2410190"/>
+                  <a:gd name="connsiteX9" fmla="*/ 2295831 w 9252295"/>
+                  <a:gd name="connsiteY9" fmla="*/ 1095755 h 2410190"/>
+                  <a:gd name="connsiteX10" fmla="*/ 3482182 w 9252295"/>
+                  <a:gd name="connsiteY10" fmla="*/ 25174 h 2410190"/>
+                  <a:gd name="connsiteX11" fmla="*/ 4668533 w 9252295"/>
+                  <a:gd name="connsiteY11" fmla="*/ 1095755 h 2410190"/>
+                  <a:gd name="connsiteX12" fmla="*/ 4674278 w 9252295"/>
+                  <a:gd name="connsiteY12" fmla="*/ 1209531 h 2410190"/>
+                  <a:gd name="connsiteX13" fmla="*/ 4673516 w 9252295"/>
+                  <a:gd name="connsiteY13" fmla="*/ 1209531 h 2410190"/>
+                  <a:gd name="connsiteX14" fmla="*/ 4678322 w 9252295"/>
+                  <a:gd name="connsiteY14" fmla="*/ 1304717 h 2410190"/>
+                  <a:gd name="connsiteX15" fmla="*/ 5770114 w 9252295"/>
+                  <a:gd name="connsiteY15" fmla="*/ 2289966 h 2410190"/>
+                  <a:gd name="connsiteX16" fmla="*/ 6861904 w 9252295"/>
+                  <a:gd name="connsiteY16" fmla="*/ 1304717 h 2410190"/>
+                  <a:gd name="connsiteX17" fmla="*/ 6867159 w 9252295"/>
+                  <a:gd name="connsiteY17" fmla="*/ 1200660 h 2410190"/>
+                  <a:gd name="connsiteX18" fmla="*/ 6867690 w 9252295"/>
+                  <a:gd name="connsiteY18" fmla="*/ 1200660 h 2410190"/>
+                  <a:gd name="connsiteX19" fmla="*/ 6867279 w 9252295"/>
+                  <a:gd name="connsiteY19" fmla="*/ 1192508 h 2410190"/>
+                  <a:gd name="connsiteX20" fmla="*/ 8059787 w 9252295"/>
+                  <a:gd name="connsiteY20" fmla="*/ 0 h 2410190"/>
+                  <a:gd name="connsiteX21" fmla="*/ 9252295 w 9252295"/>
+                  <a:gd name="connsiteY21" fmla="*/ 1192508 h 2410190"/>
+                  <a:gd name="connsiteX22" fmla="*/ 9251964 w 9252295"/>
+                  <a:gd name="connsiteY22" fmla="*/ 1195794 h 2410190"/>
+                  <a:gd name="connsiteX23" fmla="*/ 9156913 w 9252295"/>
+                  <a:gd name="connsiteY23" fmla="*/ 1195794 h 2410190"/>
+                  <a:gd name="connsiteX24" fmla="*/ 9157244 w 9252295"/>
+                  <a:gd name="connsiteY24" fmla="*/ 1192508 h 2410190"/>
+                  <a:gd name="connsiteX25" fmla="*/ 8059787 w 9252295"/>
+                  <a:gd name="connsiteY25" fmla="*/ 95051 h 2410190"/>
+                  <a:gd name="connsiteX26" fmla="*/ 6962330 w 9252295"/>
+                  <a:gd name="connsiteY26" fmla="*/ 1192508 h 2410190"/>
+                  <a:gd name="connsiteX27" fmla="*/ 6962741 w 9252295"/>
+                  <a:gd name="connsiteY27" fmla="*/ 1200660 h 2410190"/>
+                  <a:gd name="connsiteX28" fmla="*/ 6962209 w 9252295"/>
+                  <a:gd name="connsiteY28" fmla="*/ 1200660 h 2410190"/>
+                  <a:gd name="connsiteX29" fmla="*/ 6956464 w 9252295"/>
+                  <a:gd name="connsiteY29" fmla="*/ 1314435 h 2410190"/>
+                  <a:gd name="connsiteX30" fmla="*/ 5770114 w 9252295"/>
+                  <a:gd name="connsiteY30" fmla="*/ 2385016 h 2410190"/>
+                  <a:gd name="connsiteX31" fmla="*/ 4583763 w 9252295"/>
+                  <a:gd name="connsiteY31" fmla="*/ 1314435 h 2410190"/>
+                  <a:gd name="connsiteX32" fmla="*/ 4578017 w 9252295"/>
+                  <a:gd name="connsiteY32" fmla="*/ 1200660 h 2410190"/>
+                  <a:gd name="connsiteX33" fmla="*/ 4578780 w 9252295"/>
+                  <a:gd name="connsiteY33" fmla="*/ 1200660 h 2410190"/>
+                  <a:gd name="connsiteX34" fmla="*/ 4573974 w 9252295"/>
+                  <a:gd name="connsiteY34" fmla="*/ 1105474 h 2410190"/>
+                  <a:gd name="connsiteX35" fmla="*/ 3482182 w 9252295"/>
+                  <a:gd name="connsiteY35" fmla="*/ 120225 h 2410190"/>
+                  <a:gd name="connsiteX36" fmla="*/ 2390391 w 9252295"/>
+                  <a:gd name="connsiteY36" fmla="*/ 1105474 h 2410190"/>
+                  <a:gd name="connsiteX37" fmla="*/ 2385136 w 9252295"/>
+                  <a:gd name="connsiteY37" fmla="*/ 1209531 h 2410190"/>
+                  <a:gd name="connsiteX38" fmla="*/ 2384604 w 9252295"/>
+                  <a:gd name="connsiteY38" fmla="*/ 1209531 h 2410190"/>
+                  <a:gd name="connsiteX39" fmla="*/ 2385016 w 9252295"/>
+                  <a:gd name="connsiteY39" fmla="*/ 1217682 h 2410190"/>
+                  <a:gd name="connsiteX40" fmla="*/ 1192508 w 9252295"/>
+                  <a:gd name="connsiteY40" fmla="*/ 2410190 h 2410190"/>
+                </a:gdLst>
+                <a:ahLst/>
+                <a:cxnLst>
+                  <a:cxn ang="0">
+                    <a:pos x="connsiteX0" y="connsiteY0"/>
+                  </a:cxn>
+                  <a:cxn ang="0">
+                    <a:pos x="connsiteX1" y="connsiteY1"/>
+                  </a:cxn>
+                  <a:cxn ang="0">
+                    <a:pos x="connsiteX2" y="connsiteY2"/>
+                  </a:cxn>
+                  <a:cxn ang="0">
+                    <a:pos x="connsiteX3" y="connsiteY3"/>
+                  </a:cxn>
+                  <a:cxn ang="0">
+                    <a:pos x="connsiteX4" y="connsiteY4"/>
+                  </a:cxn>
+                  <a:cxn ang="0">
+                    <a:pos x="connsiteX5" y="connsiteY5"/>
+                  </a:cxn>
+                  <a:cxn ang="0">
+                    <a:pos x="connsiteX6" y="connsiteY6"/>
+                  </a:cxn>
+                  <a:cxn ang="0">
+                    <a:pos x="connsiteX7" y="connsiteY7"/>
+                  </a:cxn>
+                  <a:cxn ang="0">
+                    <a:pos x="connsiteX8" y="connsiteY8"/>
+                  </a:cxn>
+                  <a:cxn ang="0">
+                    <a:pos x="connsiteX9" y="connsiteY9"/>
+                  </a:cxn>
+                  <a:cxn ang="0">
+                    <a:pos x="connsiteX10" y="connsiteY10"/>
+                  </a:cxn>
+                  <a:cxn ang="0">
+                    <a:pos x="connsiteX11" y="connsiteY11"/>
+                  </a:cxn>
+                  <a:cxn ang="0">
+                    <a:pos x="connsiteX12" y="connsiteY12"/>
+                  </a:cxn>
+                  <a:cxn ang="0">
+                    <a:pos x="connsiteX13" y="connsiteY13"/>
+                  </a:cxn>
+                  <a:cxn ang="0">
+                    <a:pos x="connsiteX14" y="connsiteY14"/>
+                  </a:cxn>
+                  <a:cxn ang="0">
+                    <a:pos x="connsiteX15" y="connsiteY15"/>
+                  </a:cxn>
+                  <a:cxn ang="0">
+                    <a:pos x="connsiteX16" y="connsiteY16"/>
+                  </a:cxn>
+                  <a:cxn ang="0">
+                    <a:pos x="connsiteX17" y="connsiteY17"/>
+                  </a:cxn>
+                  <a:cxn ang="0">
+                    <a:pos x="connsiteX18" y="connsiteY18"/>
+                  </a:cxn>
+                  <a:cxn ang="0">
+                    <a:pos x="connsiteX19" y="connsiteY19"/>
+                  </a:cxn>
+                  <a:cxn ang="0">
+                    <a:pos x="connsiteX20" y="connsiteY20"/>
+                  </a:cxn>
+                  <a:cxn ang="0">
+                    <a:pos x="connsiteX21" y="connsiteY21"/>
+                  </a:cxn>
+                  <a:cxn ang="0">
+                    <a:pos x="connsiteX22" y="connsiteY22"/>
+                  </a:cxn>
+                  <a:cxn ang="0">
+                    <a:pos x="connsiteX23" y="connsiteY23"/>
+                  </a:cxn>
+                  <a:cxn ang="0">
+                    <a:pos x="connsiteX24" y="connsiteY24"/>
+                  </a:cxn>
+                  <a:cxn ang="0">
+                    <a:pos x="connsiteX25" y="connsiteY25"/>
+                  </a:cxn>
+                  <a:cxn ang="0">
+                    <a:pos x="connsiteX26" y="connsiteY26"/>
+                  </a:cxn>
+                  <a:cxn ang="0">
+                    <a:pos x="connsiteX27" y="connsiteY27"/>
+                  </a:cxn>
+                  <a:cxn ang="0">
+                    <a:pos x="connsiteX28" y="connsiteY28"/>
+                  </a:cxn>
+                  <a:cxn ang="0">
+                    <a:pos x="connsiteX29" y="connsiteY29"/>
+                  </a:cxn>
+                  <a:cxn ang="0">
+                    <a:pos x="connsiteX30" y="connsiteY30"/>
+                  </a:cxn>
+                  <a:cxn ang="0">
+                    <a:pos x="connsiteX31" y="connsiteY31"/>
+                  </a:cxn>
+                  <a:cxn ang="0">
+                    <a:pos x="connsiteX32" y="connsiteY32"/>
+                  </a:cxn>
+                  <a:cxn ang="0">
+                    <a:pos x="connsiteX33" y="connsiteY33"/>
+                  </a:cxn>
+                  <a:cxn ang="0">
+                    <a:pos x="connsiteX34" y="connsiteY34"/>
+                  </a:cxn>
+                  <a:cxn ang="0">
+                    <a:pos x="connsiteX35" y="connsiteY35"/>
+                  </a:cxn>
+                  <a:cxn ang="0">
+                    <a:pos x="connsiteX36" y="connsiteY36"/>
+                  </a:cxn>
+                  <a:cxn ang="0">
+                    <a:pos x="connsiteX37" y="connsiteY37"/>
+                  </a:cxn>
+                  <a:cxn ang="0">
+                    <a:pos x="connsiteX38" y="connsiteY38"/>
+                  </a:cxn>
+                  <a:cxn ang="0">
+                    <a:pos x="connsiteX39" y="connsiteY39"/>
+                  </a:cxn>
+                  <a:cxn ang="0">
+                    <a:pos x="connsiteX40" y="connsiteY40"/>
+                  </a:cxn>
+                </a:cxnLst>
+                <a:rect l="l" t="t" r="r" b="b"/>
+                <a:pathLst>
+                  <a:path w="9252295" h="2410190">
+                    <a:moveTo>
+                      <a:pt x="1192508" y="2410190"/>
+                    </a:moveTo>
+                    <a:cubicBezTo>
+                      <a:pt x="533904" y="2410190"/>
+                      <a:pt x="0" y="1876286"/>
+                      <a:pt x="0" y="1217682"/>
+                    </a:cubicBezTo>
+                    <a:lnTo>
+                      <a:pt x="1107" y="1206703"/>
+                    </a:lnTo>
+                    <a:lnTo>
+                      <a:pt x="96158" y="1206703"/>
+                    </a:lnTo>
+                    <a:lnTo>
+                      <a:pt x="95051" y="1217682"/>
+                    </a:lnTo>
+                    <a:cubicBezTo>
+                      <a:pt x="95051" y="1823791"/>
+                      <a:pt x="586400" y="2315139"/>
+                      <a:pt x="1192508" y="2315139"/>
+                    </a:cubicBezTo>
+                    <a:cubicBezTo>
+                      <a:pt x="1798616" y="2315139"/>
+                      <a:pt x="2289965" y="1823791"/>
+                      <a:pt x="2289965" y="1217682"/>
+                    </a:cubicBezTo>
+                    <a:lnTo>
+                      <a:pt x="2289554" y="1209531"/>
+                    </a:lnTo>
+                    <a:lnTo>
+                      <a:pt x="2290085" y="1209531"/>
+                    </a:lnTo>
+                    <a:lnTo>
+                      <a:pt x="2295831" y="1095755"/>
+                    </a:lnTo>
+                    <a:cubicBezTo>
+                      <a:pt x="2356899" y="494427"/>
+                      <a:pt x="2864742" y="25174"/>
+                      <a:pt x="3482182" y="25174"/>
+                    </a:cubicBezTo>
+                    <a:cubicBezTo>
+                      <a:pt x="4099623" y="25174"/>
+                      <a:pt x="4607465" y="494427"/>
+                      <a:pt x="4668533" y="1095755"/>
+                    </a:cubicBezTo>
+                    <a:lnTo>
+                      <a:pt x="4674278" y="1209531"/>
+                    </a:lnTo>
+                    <a:lnTo>
+                      <a:pt x="4673516" y="1209531"/>
+                    </a:lnTo>
+                    <a:lnTo>
+                      <a:pt x="4678322" y="1304717"/>
+                    </a:lnTo>
+                    <a:cubicBezTo>
+                      <a:pt x="4734523" y="1858116"/>
+                      <a:pt x="5201886" y="2289966"/>
+                      <a:pt x="5770114" y="2289966"/>
+                    </a:cubicBezTo>
+                    <a:cubicBezTo>
+                      <a:pt x="6338340" y="2289966"/>
+                      <a:pt x="6805704" y="1858116"/>
+                      <a:pt x="6861904" y="1304717"/>
+                    </a:cubicBezTo>
+                    <a:lnTo>
+                      <a:pt x="6867159" y="1200660"/>
+                    </a:lnTo>
+                    <a:lnTo>
+                      <a:pt x="6867690" y="1200660"/>
+                    </a:lnTo>
+                    <a:lnTo>
+                      <a:pt x="6867279" y="1192508"/>
+                    </a:lnTo>
+                    <a:cubicBezTo>
+                      <a:pt x="6867279" y="533905"/>
+                      <a:pt x="7401183" y="0"/>
+                      <a:pt x="8059787" y="0"/>
+                    </a:cubicBezTo>
+                    <a:cubicBezTo>
+                      <a:pt x="8718390" y="0"/>
+                      <a:pt x="9252295" y="533905"/>
+                      <a:pt x="9252295" y="1192508"/>
+                    </a:cubicBezTo>
+                    <a:lnTo>
+                      <a:pt x="9251964" y="1195794"/>
+                    </a:lnTo>
+                    <a:lnTo>
+                      <a:pt x="9156913" y="1195794"/>
+                    </a:lnTo>
+                    <a:lnTo>
+                      <a:pt x="9157244" y="1192508"/>
+                    </a:lnTo>
+                    <a:cubicBezTo>
+                      <a:pt x="9157244" y="586400"/>
+                      <a:pt x="8665895" y="95051"/>
+                      <a:pt x="8059787" y="95051"/>
+                    </a:cubicBezTo>
+                    <a:cubicBezTo>
+                      <a:pt x="7453679" y="95051"/>
+                      <a:pt x="6962330" y="586400"/>
+                      <a:pt x="6962330" y="1192508"/>
+                    </a:cubicBezTo>
+                    <a:lnTo>
+                      <a:pt x="6962741" y="1200660"/>
+                    </a:lnTo>
+                    <a:lnTo>
+                      <a:pt x="6962209" y="1200660"/>
+                    </a:lnTo>
+                    <a:lnTo>
+                      <a:pt x="6956464" y="1314435"/>
+                    </a:lnTo>
+                    <a:cubicBezTo>
+                      <a:pt x="6895396" y="1915764"/>
+                      <a:pt x="6387554" y="2385016"/>
+                      <a:pt x="5770114" y="2385016"/>
+                    </a:cubicBezTo>
+                    <a:cubicBezTo>
+                      <a:pt x="5152672" y="2385016"/>
+                      <a:pt x="4644831" y="1915764"/>
+                      <a:pt x="4583763" y="1314435"/>
+                    </a:cubicBezTo>
+                    <a:lnTo>
+                      <a:pt x="4578017" y="1200660"/>
+                    </a:lnTo>
+                    <a:lnTo>
+                      <a:pt x="4578780" y="1200660"/>
+                    </a:lnTo>
+                    <a:lnTo>
+                      <a:pt x="4573974" y="1105474"/>
+                    </a:lnTo>
+                    <a:cubicBezTo>
+                      <a:pt x="4517772" y="552075"/>
+                      <a:pt x="4050409" y="120225"/>
+                      <a:pt x="3482182" y="120225"/>
+                    </a:cubicBezTo>
+                    <a:cubicBezTo>
+                      <a:pt x="2913956" y="120225"/>
+                      <a:pt x="2446592" y="552075"/>
+                      <a:pt x="2390391" y="1105474"/>
+                    </a:cubicBezTo>
+                    <a:lnTo>
+                      <a:pt x="2385136" y="1209531"/>
+                    </a:lnTo>
+                    <a:lnTo>
+                      <a:pt x="2384604" y="1209531"/>
+                    </a:lnTo>
+                    <a:lnTo>
+                      <a:pt x="2385016" y="1217682"/>
+                    </a:lnTo>
+                    <a:cubicBezTo>
+                      <a:pt x="2385016" y="1876286"/>
+                      <a:pt x="1851111" y="2410190"/>
+                      <a:pt x="1192508" y="2410190"/>
+                    </a:cubicBezTo>
+                    <a:close/>
+                  </a:path>
+                </a:pathLst>
+              </a:custGeom>
+              <a:gradFill flip="none" rotWithShape="1">
+                <a:gsLst>
+                  <a:gs pos="52000">
+                    <a:schemeClr val="accent6">
+                      <a:lumMod val="40000"/>
+                      <a:lumOff val="60000"/>
+                    </a:schemeClr>
+                  </a:gs>
+                  <a:gs pos="26000">
+                    <a:srgbClr val="ABE27E"/>
+                  </a:gs>
+                  <a:gs pos="76000">
+                    <a:schemeClr val="accent4">
+                      <a:lumMod val="60000"/>
+                      <a:lumOff val="40000"/>
+                    </a:schemeClr>
+                  </a:gs>
+                </a:gsLst>
+                <a:lin ang="10800000" scaled="0"/>
+                <a:tileRect/>
+              </a:gradFill>
+              <a:ln w="38100">
+                <a:noFill/>
+              </a:ln>
+            </p:spPr>
+            <p:style>
+              <a:lnRef idx="2">
+                <a:schemeClr val="accent1">
+                  <a:shade val="50000"/>
+                </a:schemeClr>
+              </a:lnRef>
+              <a:fillRef idx="1">
+                <a:schemeClr val="accent1"/>
+              </a:fillRef>
+              <a:effectRef idx="0">
+                <a:schemeClr val="accent1"/>
+              </a:effectRef>
+              <a:fontRef idx="minor">
+                <a:schemeClr val="lt1"/>
+              </a:fontRef>
+            </p:style>
+            <p:txBody>
+              <a:bodyPr wrap="square" rtlCol="0" anchor="ctr">
+                <a:noAutofit/>
+              </a:bodyPr>
+              <a:lstStyle/>
+              <a:p>
+                <a:pPr algn="ctr" rtl="0"/>
+                <a:endParaRPr lang="de-DE" sz="4000" dirty="0">
+                  <a:solidFill>
+                    <a:schemeClr val="accent2"/>
+                  </a:solidFill>
+                </a:endParaRPr>
+              </a:p>
+            </p:txBody>
+          </p:sp>
+          <p:sp>
+            <p:nvSpPr>
+              <p:cNvPr id="21" name="Freihandform: Form 22" descr="Zeitachse ">
+                <a:extLst>
+                  <a:ext uri="{FF2B5EF4-FFF2-40B4-BE49-F238E27FC236}">
+                    <a16:creationId xmlns:a16="http://schemas.microsoft.com/office/drawing/2014/main" id="{B3D93231-0E47-E5BC-4FB0-AC46E0784D5E}"/>
+                  </a:ext>
+                </a:extLst>
+              </p:cNvPr>
+              <p:cNvSpPr/>
+              <p:nvPr/>
+            </p:nvSpPr>
+            <p:spPr>
+              <a:xfrm flipH="1" flipV="1">
+                <a:off x="6539002" y="1731416"/>
+                <a:ext cx="5723270" cy="1290115"/>
+              </a:xfrm>
+              <a:custGeom>
+                <a:avLst/>
+                <a:gdLst>
+                  <a:gd name="connsiteX0" fmla="*/ 1192508 w 9252295"/>
+                  <a:gd name="connsiteY0" fmla="*/ 2410190 h 2410190"/>
+                  <a:gd name="connsiteX1" fmla="*/ 0 w 9252295"/>
+                  <a:gd name="connsiteY1" fmla="*/ 1217682 h 2410190"/>
+                  <a:gd name="connsiteX2" fmla="*/ 1107 w 9252295"/>
+                  <a:gd name="connsiteY2" fmla="*/ 1206703 h 2410190"/>
+                  <a:gd name="connsiteX3" fmla="*/ 96158 w 9252295"/>
+                  <a:gd name="connsiteY3" fmla="*/ 1206703 h 2410190"/>
+                  <a:gd name="connsiteX4" fmla="*/ 95051 w 9252295"/>
+                  <a:gd name="connsiteY4" fmla="*/ 1217682 h 2410190"/>
+                  <a:gd name="connsiteX5" fmla="*/ 1192508 w 9252295"/>
+                  <a:gd name="connsiteY5" fmla="*/ 2315139 h 2410190"/>
+                  <a:gd name="connsiteX6" fmla="*/ 2289965 w 9252295"/>
+                  <a:gd name="connsiteY6" fmla="*/ 1217682 h 2410190"/>
+                  <a:gd name="connsiteX7" fmla="*/ 2289554 w 9252295"/>
+                  <a:gd name="connsiteY7" fmla="*/ 1209531 h 2410190"/>
+                  <a:gd name="connsiteX8" fmla="*/ 2290085 w 9252295"/>
+                  <a:gd name="connsiteY8" fmla="*/ 1209531 h 2410190"/>
+                  <a:gd name="connsiteX9" fmla="*/ 2295831 w 9252295"/>
+                  <a:gd name="connsiteY9" fmla="*/ 1095755 h 2410190"/>
+                  <a:gd name="connsiteX10" fmla="*/ 3482182 w 9252295"/>
+                  <a:gd name="connsiteY10" fmla="*/ 25174 h 2410190"/>
+                  <a:gd name="connsiteX11" fmla="*/ 4668533 w 9252295"/>
+                  <a:gd name="connsiteY11" fmla="*/ 1095755 h 2410190"/>
+                  <a:gd name="connsiteX12" fmla="*/ 4674278 w 9252295"/>
+                  <a:gd name="connsiteY12" fmla="*/ 1209531 h 2410190"/>
+                  <a:gd name="connsiteX13" fmla="*/ 4673516 w 9252295"/>
+                  <a:gd name="connsiteY13" fmla="*/ 1209531 h 2410190"/>
+                  <a:gd name="connsiteX14" fmla="*/ 4678322 w 9252295"/>
+                  <a:gd name="connsiteY14" fmla="*/ 1304717 h 2410190"/>
+                  <a:gd name="connsiteX15" fmla="*/ 5770114 w 9252295"/>
+                  <a:gd name="connsiteY15" fmla="*/ 2289966 h 2410190"/>
+                  <a:gd name="connsiteX16" fmla="*/ 6861904 w 9252295"/>
+                  <a:gd name="connsiteY16" fmla="*/ 1304717 h 2410190"/>
+                  <a:gd name="connsiteX17" fmla="*/ 6867159 w 9252295"/>
+                  <a:gd name="connsiteY17" fmla="*/ 1200660 h 2410190"/>
+                  <a:gd name="connsiteX18" fmla="*/ 6867690 w 9252295"/>
+                  <a:gd name="connsiteY18" fmla="*/ 1200660 h 2410190"/>
+                  <a:gd name="connsiteX19" fmla="*/ 6867279 w 9252295"/>
+                  <a:gd name="connsiteY19" fmla="*/ 1192508 h 2410190"/>
+                  <a:gd name="connsiteX20" fmla="*/ 8059787 w 9252295"/>
+                  <a:gd name="connsiteY20" fmla="*/ 0 h 2410190"/>
+                  <a:gd name="connsiteX21" fmla="*/ 9252295 w 9252295"/>
+                  <a:gd name="connsiteY21" fmla="*/ 1192508 h 2410190"/>
+                  <a:gd name="connsiteX22" fmla="*/ 9251964 w 9252295"/>
+                  <a:gd name="connsiteY22" fmla="*/ 1195794 h 2410190"/>
+                  <a:gd name="connsiteX23" fmla="*/ 9156913 w 9252295"/>
+                  <a:gd name="connsiteY23" fmla="*/ 1195794 h 2410190"/>
+                  <a:gd name="connsiteX24" fmla="*/ 9157244 w 9252295"/>
+                  <a:gd name="connsiteY24" fmla="*/ 1192508 h 2410190"/>
+                  <a:gd name="connsiteX25" fmla="*/ 8059787 w 9252295"/>
+                  <a:gd name="connsiteY25" fmla="*/ 95051 h 2410190"/>
+                  <a:gd name="connsiteX26" fmla="*/ 6962330 w 9252295"/>
+                  <a:gd name="connsiteY26" fmla="*/ 1192508 h 2410190"/>
+                  <a:gd name="connsiteX27" fmla="*/ 6962741 w 9252295"/>
+                  <a:gd name="connsiteY27" fmla="*/ 1200660 h 2410190"/>
+                  <a:gd name="connsiteX28" fmla="*/ 6962209 w 9252295"/>
+                  <a:gd name="connsiteY28" fmla="*/ 1200660 h 2410190"/>
+                  <a:gd name="connsiteX29" fmla="*/ 6956464 w 9252295"/>
+                  <a:gd name="connsiteY29" fmla="*/ 1314435 h 2410190"/>
+                  <a:gd name="connsiteX30" fmla="*/ 5770114 w 9252295"/>
+                  <a:gd name="connsiteY30" fmla="*/ 2385016 h 2410190"/>
+                  <a:gd name="connsiteX31" fmla="*/ 4583763 w 9252295"/>
+                  <a:gd name="connsiteY31" fmla="*/ 1314435 h 2410190"/>
+                  <a:gd name="connsiteX32" fmla="*/ 4578017 w 9252295"/>
+                  <a:gd name="connsiteY32" fmla="*/ 1200660 h 2410190"/>
+                  <a:gd name="connsiteX33" fmla="*/ 4578780 w 9252295"/>
+                  <a:gd name="connsiteY33" fmla="*/ 1200660 h 2410190"/>
+                  <a:gd name="connsiteX34" fmla="*/ 4573974 w 9252295"/>
+                  <a:gd name="connsiteY34" fmla="*/ 1105474 h 2410190"/>
+                  <a:gd name="connsiteX35" fmla="*/ 3482182 w 9252295"/>
+                  <a:gd name="connsiteY35" fmla="*/ 120225 h 2410190"/>
+                  <a:gd name="connsiteX36" fmla="*/ 2390391 w 9252295"/>
+                  <a:gd name="connsiteY36" fmla="*/ 1105474 h 2410190"/>
+                  <a:gd name="connsiteX37" fmla="*/ 2385136 w 9252295"/>
+                  <a:gd name="connsiteY37" fmla="*/ 1209531 h 2410190"/>
+                  <a:gd name="connsiteX38" fmla="*/ 2384604 w 9252295"/>
+                  <a:gd name="connsiteY38" fmla="*/ 1209531 h 2410190"/>
+                  <a:gd name="connsiteX39" fmla="*/ 2385016 w 9252295"/>
+                  <a:gd name="connsiteY39" fmla="*/ 1217682 h 2410190"/>
+                  <a:gd name="connsiteX40" fmla="*/ 1192508 w 9252295"/>
+                  <a:gd name="connsiteY40" fmla="*/ 2410190 h 2410190"/>
+                </a:gdLst>
+                <a:ahLst/>
+                <a:cxnLst>
+                  <a:cxn ang="0">
+                    <a:pos x="connsiteX0" y="connsiteY0"/>
+                  </a:cxn>
+                  <a:cxn ang="0">
+                    <a:pos x="connsiteX1" y="connsiteY1"/>
+                  </a:cxn>
+                  <a:cxn ang="0">
+                    <a:pos x="connsiteX2" y="connsiteY2"/>
+                  </a:cxn>
+                  <a:cxn ang="0">
+                    <a:pos x="connsiteX3" y="connsiteY3"/>
+                  </a:cxn>
+                  <a:cxn ang="0">
+                    <a:pos x="connsiteX4" y="connsiteY4"/>
+                  </a:cxn>
+                  <a:cxn ang="0">
+                    <a:pos x="connsiteX5" y="connsiteY5"/>
+                  </a:cxn>
+                  <a:cxn ang="0">
+                    <a:pos x="connsiteX6" y="connsiteY6"/>
+                  </a:cxn>
+                  <a:cxn ang="0">
+                    <a:pos x="connsiteX7" y="connsiteY7"/>
+                  </a:cxn>
+                  <a:cxn ang="0">
+                    <a:pos x="connsiteX8" y="connsiteY8"/>
+                  </a:cxn>
+                  <a:cxn ang="0">
+                    <a:pos x="connsiteX9" y="connsiteY9"/>
+                  </a:cxn>
+                  <a:cxn ang="0">
+                    <a:pos x="connsiteX10" y="connsiteY10"/>
+                  </a:cxn>
+                  <a:cxn ang="0">
+                    <a:pos x="connsiteX11" y="connsiteY11"/>
+                  </a:cxn>
+                  <a:cxn ang="0">
+                    <a:pos x="connsiteX12" y="connsiteY12"/>
+                  </a:cxn>
+                  <a:cxn ang="0">
+                    <a:pos x="connsiteX13" y="connsiteY13"/>
+                  </a:cxn>
+                  <a:cxn ang="0">
+                    <a:pos x="connsiteX14" y="connsiteY14"/>
+                  </a:cxn>
+                  <a:cxn ang="0">
+                    <a:pos x="connsiteX15" y="connsiteY15"/>
+                  </a:cxn>
+                  <a:cxn ang="0">
+                    <a:pos x="connsiteX16" y="connsiteY16"/>
+                  </a:cxn>
+                  <a:cxn ang="0">
+                    <a:pos x="connsiteX17" y="connsiteY17"/>
+                  </a:cxn>
+                  <a:cxn ang="0">
+                    <a:pos x="connsiteX18" y="connsiteY18"/>
+                  </a:cxn>
+                  <a:cxn ang="0">
+                    <a:pos x="connsiteX19" y="connsiteY19"/>
+                  </a:cxn>
+                  <a:cxn ang="0">
+                    <a:pos x="connsiteX20" y="connsiteY20"/>
+                  </a:cxn>
+                  <a:cxn ang="0">
+                    <a:pos x="connsiteX21" y="connsiteY21"/>
+                  </a:cxn>
+                  <a:cxn ang="0">
+                    <a:pos x="connsiteX22" y="connsiteY22"/>
+                  </a:cxn>
+                  <a:cxn ang="0">
+                    <a:pos x="connsiteX23" y="connsiteY23"/>
+                  </a:cxn>
+                  <a:cxn ang="0">
+                    <a:pos x="connsiteX24" y="connsiteY24"/>
+                  </a:cxn>
+                  <a:cxn ang="0">
+                    <a:pos x="connsiteX25" y="connsiteY25"/>
+                  </a:cxn>
+                  <a:cxn ang="0">
+                    <a:pos x="connsiteX26" y="connsiteY26"/>
+                  </a:cxn>
+                  <a:cxn ang="0">
+                    <a:pos x="connsiteX27" y="connsiteY27"/>
+                  </a:cxn>
+                  <a:cxn ang="0">
+                    <a:pos x="connsiteX28" y="connsiteY28"/>
+                  </a:cxn>
+                  <a:cxn ang="0">
+                    <a:pos x="connsiteX29" y="connsiteY29"/>
+                  </a:cxn>
+                  <a:cxn ang="0">
+                    <a:pos x="connsiteX30" y="connsiteY30"/>
+                  </a:cxn>
+                  <a:cxn ang="0">
+                    <a:pos x="connsiteX31" y="connsiteY31"/>
+                  </a:cxn>
+                  <a:cxn ang="0">
+                    <a:pos x="connsiteX32" y="connsiteY32"/>
+                  </a:cxn>
+                  <a:cxn ang="0">
+                    <a:pos x="connsiteX33" y="connsiteY33"/>
+                  </a:cxn>
+                  <a:cxn ang="0">
+                    <a:pos x="connsiteX34" y="connsiteY34"/>
+                  </a:cxn>
+                  <a:cxn ang="0">
+                    <a:pos x="connsiteX35" y="connsiteY35"/>
+                  </a:cxn>
+                  <a:cxn ang="0">
+                    <a:pos x="connsiteX36" y="connsiteY36"/>
+                  </a:cxn>
+                  <a:cxn ang="0">
+                    <a:pos x="connsiteX37" y="connsiteY37"/>
+                  </a:cxn>
+                  <a:cxn ang="0">
+                    <a:pos x="connsiteX38" y="connsiteY38"/>
+                  </a:cxn>
+                  <a:cxn ang="0">
+                    <a:pos x="connsiteX39" y="connsiteY39"/>
+                  </a:cxn>
+                  <a:cxn ang="0">
+                    <a:pos x="connsiteX40" y="connsiteY40"/>
+                  </a:cxn>
+                </a:cxnLst>
+                <a:rect l="l" t="t" r="r" b="b"/>
+                <a:pathLst>
+                  <a:path w="9252295" h="2410190">
+                    <a:moveTo>
+                      <a:pt x="1192508" y="2410190"/>
+                    </a:moveTo>
+                    <a:cubicBezTo>
+                      <a:pt x="533904" y="2410190"/>
+                      <a:pt x="0" y="1876286"/>
+                      <a:pt x="0" y="1217682"/>
+                    </a:cubicBezTo>
+                    <a:lnTo>
+                      <a:pt x="1107" y="1206703"/>
+                    </a:lnTo>
+                    <a:lnTo>
+                      <a:pt x="96158" y="1206703"/>
+                    </a:lnTo>
+                    <a:lnTo>
+                      <a:pt x="95051" y="1217682"/>
+                    </a:lnTo>
+                    <a:cubicBezTo>
+                      <a:pt x="95051" y="1823791"/>
+                      <a:pt x="586400" y="2315139"/>
+                      <a:pt x="1192508" y="2315139"/>
+                    </a:cubicBezTo>
+                    <a:cubicBezTo>
+                      <a:pt x="1798616" y="2315139"/>
+                      <a:pt x="2289965" y="1823791"/>
+                      <a:pt x="2289965" y="1217682"/>
+                    </a:cubicBezTo>
+                    <a:lnTo>
+                      <a:pt x="2289554" y="1209531"/>
+                    </a:lnTo>
+                    <a:lnTo>
+                      <a:pt x="2290085" y="1209531"/>
+                    </a:lnTo>
+                    <a:lnTo>
+                      <a:pt x="2295831" y="1095755"/>
+                    </a:lnTo>
+                    <a:cubicBezTo>
+                      <a:pt x="2356899" y="494427"/>
+                      <a:pt x="2864742" y="25174"/>
+                      <a:pt x="3482182" y="25174"/>
+                    </a:cubicBezTo>
+                    <a:cubicBezTo>
+                      <a:pt x="4099623" y="25174"/>
+                      <a:pt x="4607465" y="494427"/>
+                      <a:pt x="4668533" y="1095755"/>
+                    </a:cubicBezTo>
+                    <a:lnTo>
+                      <a:pt x="4674278" y="1209531"/>
+                    </a:lnTo>
+                    <a:lnTo>
+                      <a:pt x="4673516" y="1209531"/>
+                    </a:lnTo>
+                    <a:lnTo>
+                      <a:pt x="4678322" y="1304717"/>
+                    </a:lnTo>
+                    <a:cubicBezTo>
+                      <a:pt x="4734523" y="1858116"/>
+                      <a:pt x="5201886" y="2289966"/>
+                      <a:pt x="5770114" y="2289966"/>
+                    </a:cubicBezTo>
+                    <a:cubicBezTo>
+                      <a:pt x="6338340" y="2289966"/>
+                      <a:pt x="6805704" y="1858116"/>
+                      <a:pt x="6861904" y="1304717"/>
+                    </a:cubicBezTo>
+                    <a:lnTo>
+                      <a:pt x="6867159" y="1200660"/>
+                    </a:lnTo>
+                    <a:lnTo>
+                      <a:pt x="6867690" y="1200660"/>
+                    </a:lnTo>
+                    <a:lnTo>
+                      <a:pt x="6867279" y="1192508"/>
+                    </a:lnTo>
+                    <a:cubicBezTo>
+                      <a:pt x="6867279" y="533905"/>
+                      <a:pt x="7401183" y="0"/>
+                      <a:pt x="8059787" y="0"/>
+                    </a:cubicBezTo>
+                    <a:cubicBezTo>
+                      <a:pt x="8718390" y="0"/>
+                      <a:pt x="9252295" y="533905"/>
+                      <a:pt x="9252295" y="1192508"/>
+                    </a:cubicBezTo>
+                    <a:lnTo>
+                      <a:pt x="9251964" y="1195794"/>
+                    </a:lnTo>
+                    <a:lnTo>
+                      <a:pt x="9156913" y="1195794"/>
+                    </a:lnTo>
+                    <a:lnTo>
+                      <a:pt x="9157244" y="1192508"/>
+                    </a:lnTo>
+                    <a:cubicBezTo>
+                      <a:pt x="9157244" y="586400"/>
+                      <a:pt x="8665895" y="95051"/>
+                      <a:pt x="8059787" y="95051"/>
+                    </a:cubicBezTo>
+                    <a:cubicBezTo>
+                      <a:pt x="7453679" y="95051"/>
+                      <a:pt x="6962330" y="586400"/>
+                      <a:pt x="6962330" y="1192508"/>
+                    </a:cubicBezTo>
+                    <a:lnTo>
+                      <a:pt x="6962741" y="1200660"/>
+                    </a:lnTo>
+                    <a:lnTo>
+                      <a:pt x="6962209" y="1200660"/>
+                    </a:lnTo>
+                    <a:lnTo>
+                      <a:pt x="6956464" y="1314435"/>
+                    </a:lnTo>
+                    <a:cubicBezTo>
+                      <a:pt x="6895396" y="1915764"/>
+                      <a:pt x="6387554" y="2385016"/>
+                      <a:pt x="5770114" y="2385016"/>
+                    </a:cubicBezTo>
+                    <a:cubicBezTo>
+                      <a:pt x="5152672" y="2385016"/>
+                      <a:pt x="4644831" y="1915764"/>
+                      <a:pt x="4583763" y="1314435"/>
+                    </a:cubicBezTo>
+                    <a:lnTo>
+                      <a:pt x="4578017" y="1200660"/>
+                    </a:lnTo>
+                    <a:lnTo>
+                      <a:pt x="4578780" y="1200660"/>
+                    </a:lnTo>
+                    <a:lnTo>
+                      <a:pt x="4573974" y="1105474"/>
+                    </a:lnTo>
+                    <a:cubicBezTo>
+                      <a:pt x="4517772" y="552075"/>
+                      <a:pt x="4050409" y="120225"/>
+                      <a:pt x="3482182" y="120225"/>
+                    </a:cubicBezTo>
+                    <a:cubicBezTo>
+                      <a:pt x="2913956" y="120225"/>
+                      <a:pt x="2446592" y="552075"/>
+                      <a:pt x="2390391" y="1105474"/>
+                    </a:cubicBezTo>
+                    <a:lnTo>
+                      <a:pt x="2385136" y="1209531"/>
+                    </a:lnTo>
+                    <a:lnTo>
+                      <a:pt x="2384604" y="1209531"/>
+                    </a:lnTo>
+                    <a:lnTo>
+                      <a:pt x="2385016" y="1217682"/>
+                    </a:lnTo>
+                    <a:cubicBezTo>
+                      <a:pt x="2385016" y="1876286"/>
+                      <a:pt x="1851111" y="2410190"/>
+                      <a:pt x="1192508" y="2410190"/>
+                    </a:cubicBezTo>
+                    <a:close/>
+                  </a:path>
+                </a:pathLst>
+              </a:custGeom>
+              <a:gradFill flip="none" rotWithShape="1">
+                <a:gsLst>
+                  <a:gs pos="86000">
+                    <a:srgbClr val="D67000"/>
+                  </a:gs>
+                  <a:gs pos="0">
+                    <a:schemeClr val="accent4">
+                      <a:lumMod val="60000"/>
+                      <a:lumOff val="40000"/>
+                    </a:schemeClr>
+                  </a:gs>
+                  <a:gs pos="63000">
+                    <a:schemeClr val="accent2">
+                      <a:lumMod val="60000"/>
+                      <a:lumOff val="40000"/>
+                    </a:schemeClr>
+                  </a:gs>
+                  <a:gs pos="24000">
+                    <a:schemeClr val="accent2">
+                      <a:lumMod val="40000"/>
+                      <a:lumOff val="60000"/>
+                    </a:schemeClr>
+                  </a:gs>
+                </a:gsLst>
+                <a:lin ang="10800000" scaled="0"/>
+                <a:tileRect/>
+              </a:gradFill>
+              <a:ln w="38100">
+                <a:noFill/>
+              </a:ln>
+            </p:spPr>
+            <p:style>
+              <a:lnRef idx="2">
+                <a:schemeClr val="accent1">
+                  <a:shade val="50000"/>
+                </a:schemeClr>
+              </a:lnRef>
+              <a:fillRef idx="1">
+                <a:schemeClr val="accent1"/>
+              </a:fillRef>
+              <a:effectRef idx="0">
+                <a:schemeClr val="accent1"/>
+              </a:effectRef>
+              <a:fontRef idx="minor">
+                <a:schemeClr val="lt1"/>
+              </a:fontRef>
+            </p:style>
+            <p:txBody>
+              <a:bodyPr wrap="square" rtlCol="0" anchor="ctr">
+                <a:noAutofit/>
+              </a:bodyPr>
+              <a:lstStyle/>
+              <a:p>
+                <a:pPr algn="ctr" rtl="0"/>
+                <a:endParaRPr lang="de-DE" sz="4000" dirty="0">
+                  <a:solidFill>
+                    <a:schemeClr val="accent2"/>
+                  </a:solidFill>
+                </a:endParaRPr>
+              </a:p>
+            </p:txBody>
+          </p:sp>
+        </p:grpSp>
+        <p:sp>
+          <p:nvSpPr>
+            <p:cNvPr id="23" name="Ellipse 22" descr="Zeitachsenendpunkte">
+              <a:extLst>
+                <a:ext uri="{FF2B5EF4-FFF2-40B4-BE49-F238E27FC236}">
+                  <a16:creationId xmlns:a16="http://schemas.microsoft.com/office/drawing/2014/main" id="{9A649793-D42F-93F3-7602-1DEFB88860D8}"/>
+                </a:ext>
+              </a:extLst>
+            </p:cNvPr>
+            <p:cNvSpPr/>
+            <p:nvPr/>
+          </p:nvSpPr>
+          <p:spPr>
+            <a:xfrm>
+              <a:off x="326666" y="3727737"/>
+              <a:ext cx="218092" cy="218092"/>
+            </a:xfrm>
+            <a:prstGeom prst="ellipse">
+              <a:avLst/>
+            </a:prstGeom>
+            <a:solidFill>
+              <a:srgbClr val="ABE27E"/>
+            </a:solidFill>
+            <a:ln w="76200">
+              <a:noFill/>
+            </a:ln>
+          </p:spPr>
+          <p:style>
+            <a:lnRef idx="2">
+              <a:schemeClr val="accent1">
+                <a:shade val="50000"/>
+              </a:schemeClr>
+            </a:lnRef>
+            <a:fillRef idx="1">
+              <a:schemeClr val="accent1"/>
+            </a:fillRef>
+            <a:effectRef idx="0">
+              <a:schemeClr val="accent1"/>
+            </a:effectRef>
+            <a:fontRef idx="minor">
+              <a:schemeClr val="lt1"/>
+            </a:fontRef>
+          </p:style>
+          <p:txBody>
+            <a:bodyPr rtlCol="0" anchor="ctr"/>
+            <a:lstStyle/>
+            <a:p>
+              <a:pPr algn="ctr" rtl="0"/>
+              <a:endParaRPr lang="de-DE"/>
+            </a:p>
+          </p:txBody>
+        </p:sp>
+        <p:sp>
+          <p:nvSpPr>
+            <p:cNvPr id="24" name="Ellipse 23" descr="Zeitachsenendpunkte">
+              <a:extLst>
+                <a:ext uri="{FF2B5EF4-FFF2-40B4-BE49-F238E27FC236}">
+                  <a16:creationId xmlns:a16="http://schemas.microsoft.com/office/drawing/2014/main" id="{5DBD8E1B-2148-BFCC-9752-9E256BB314ED}"/>
+                </a:ext>
+              </a:extLst>
+            </p:cNvPr>
+            <p:cNvSpPr/>
+            <p:nvPr/>
+          </p:nvSpPr>
+          <p:spPr>
+            <a:xfrm>
+              <a:off x="11649793" y="3736833"/>
+              <a:ext cx="218092" cy="218092"/>
+            </a:xfrm>
+            <a:prstGeom prst="ellipse">
+              <a:avLst/>
+            </a:prstGeom>
+            <a:solidFill>
+              <a:srgbClr val="D67000"/>
+            </a:solidFill>
+            <a:ln w="76200">
+              <a:noFill/>
+            </a:ln>
+          </p:spPr>
+          <p:style>
+            <a:lnRef idx="2">
+              <a:schemeClr val="accent1">
+                <a:shade val="50000"/>
+              </a:schemeClr>
+            </a:lnRef>
+            <a:fillRef idx="1">
+              <a:schemeClr val="accent1"/>
+            </a:fillRef>
+            <a:effectRef idx="0">
+              <a:schemeClr val="accent1"/>
+            </a:effectRef>
+            <a:fontRef idx="minor">
+              <a:schemeClr val="lt1"/>
+            </a:fontRef>
+          </p:style>
+          <p:txBody>
+            <a:bodyPr rtlCol="0" anchor="ctr"/>
+            <a:lstStyle/>
+            <a:p>
+              <a:pPr algn="ctr" rtl="0"/>
+              <a:endParaRPr lang="de-DE"/>
+            </a:p>
+          </p:txBody>
+        </p:sp>
+        <p:sp>
+          <p:nvSpPr>
+            <p:cNvPr id="25" name="Ellipse 24">
+              <a:extLst>
+                <a:ext uri="{FF2B5EF4-FFF2-40B4-BE49-F238E27FC236}">
+                  <a16:creationId xmlns:a16="http://schemas.microsoft.com/office/drawing/2014/main" id="{57CBC6A2-8EF2-528A-0B31-045E169A4D96}"/>
+                </a:ext>
+              </a:extLst>
+            </p:cNvPr>
+            <p:cNvSpPr/>
+            <p:nvPr/>
+          </p:nvSpPr>
+          <p:spPr>
+            <a:xfrm>
+              <a:off x="650435" y="3454150"/>
+              <a:ext cx="940762" cy="839124"/>
+            </a:xfrm>
+            <a:prstGeom prst="ellipse">
+              <a:avLst/>
+            </a:prstGeom>
+            <a:noFill/>
+            <a:ln w="38100">
+              <a:solidFill>
+                <a:srgbClr val="ABE27E"/>
+              </a:solidFill>
+            </a:ln>
+          </p:spPr>
+          <p:style>
+            <a:lnRef idx="2">
+              <a:schemeClr val="accent1">
+                <a:shade val="50000"/>
+              </a:schemeClr>
+            </a:lnRef>
+            <a:fillRef idx="1">
+              <a:schemeClr val="accent1"/>
+            </a:fillRef>
+            <a:effectRef idx="0">
+              <a:schemeClr val="accent1"/>
+            </a:effectRef>
+            <a:fontRef idx="minor">
+              <a:schemeClr val="lt1"/>
+            </a:fontRef>
+          </p:style>
+          <p:txBody>
+            <a:bodyPr rtlCol="0" anchor="ctr"/>
+            <a:lstStyle/>
+            <a:p>
+              <a:pPr algn="ctr" rtl="0"/>
+              <a:r>
+                <a:rPr lang="en-US" sz="2800" dirty="0">
+                  <a:solidFill>
+                    <a:schemeClr val="tx1"/>
+                  </a:solidFill>
+                  <a:latin typeface="Arial" panose="020B0604020202020204" pitchFamily="34" charset="0"/>
+                  <a:cs typeface="Arial" panose="020B0604020202020204" pitchFamily="34" charset="0"/>
+                </a:rPr>
+                <a:t>1</a:t>
+              </a:r>
+              <a:r>
+                <a:rPr lang="en-US" sz="2800" baseline="30000" dirty="0">
+                  <a:solidFill>
+                    <a:schemeClr val="tx1"/>
+                  </a:solidFill>
+                  <a:latin typeface="Arial" panose="020B0604020202020204" pitchFamily="34" charset="0"/>
+                  <a:cs typeface="Arial" panose="020B0604020202020204" pitchFamily="34" charset="0"/>
+                </a:rPr>
+                <a:t>st</a:t>
+              </a:r>
+              <a:endParaRPr lang="de-DE" sz="2800" dirty="0">
+                <a:solidFill>
+                  <a:schemeClr val="tx1"/>
+                </a:solidFill>
+                <a:latin typeface="Arial" panose="020B0604020202020204" pitchFamily="34" charset="0"/>
+                <a:cs typeface="Arial" panose="020B0604020202020204" pitchFamily="34" charset="0"/>
+              </a:endParaRPr>
+            </a:p>
+          </p:txBody>
+        </p:sp>
+        <p:sp>
+          <p:nvSpPr>
+            <p:cNvPr id="26" name="Ellipse 25">
+              <a:extLst>
+                <a:ext uri="{FF2B5EF4-FFF2-40B4-BE49-F238E27FC236}">
+                  <a16:creationId xmlns:a16="http://schemas.microsoft.com/office/drawing/2014/main" id="{D34032A3-201C-E432-BDCA-87AADF4596C9}"/>
+                </a:ext>
+              </a:extLst>
+            </p:cNvPr>
+            <p:cNvSpPr/>
+            <p:nvPr/>
+          </p:nvSpPr>
+          <p:spPr>
+            <a:xfrm>
+              <a:off x="2089365" y="3415771"/>
+              <a:ext cx="940762" cy="839124"/>
+            </a:xfrm>
+            <a:prstGeom prst="ellipse">
+              <a:avLst/>
+            </a:prstGeom>
+            <a:solidFill>
+              <a:schemeClr val="bg1"/>
+            </a:solidFill>
+            <a:ln w="38100">
+              <a:solidFill>
+                <a:srgbClr val="BAE19E"/>
+              </a:solidFill>
+            </a:ln>
+          </p:spPr>
+          <p:style>
+            <a:lnRef idx="2">
+              <a:schemeClr val="accent1">
+                <a:shade val="50000"/>
+              </a:schemeClr>
+            </a:lnRef>
+            <a:fillRef idx="1">
+              <a:schemeClr val="accent1"/>
+            </a:fillRef>
+            <a:effectRef idx="0">
+              <a:schemeClr val="accent1"/>
+            </a:effectRef>
+            <a:fontRef idx="minor">
+              <a:schemeClr val="lt1"/>
+            </a:fontRef>
+          </p:style>
+          <p:txBody>
+            <a:bodyPr rtlCol="0" anchor="ctr"/>
+            <a:lstStyle/>
+            <a:p>
+              <a:pPr algn="ctr" rtl="0"/>
+              <a:r>
+                <a:rPr lang="en-US" sz="2800">
+                  <a:solidFill>
+                    <a:schemeClr val="tx1"/>
+                  </a:solidFill>
+                  <a:latin typeface="Arial" panose="020B0604020202020204" pitchFamily="34" charset="0"/>
+                  <a:cs typeface="Arial" panose="020B0604020202020204" pitchFamily="34" charset="0"/>
+                </a:rPr>
+                <a:t>2</a:t>
+              </a:r>
+              <a:r>
+                <a:rPr lang="en-US" sz="2800" baseline="30000">
+                  <a:solidFill>
+                    <a:schemeClr val="tx1"/>
+                  </a:solidFill>
+                  <a:latin typeface="Arial" panose="020B0604020202020204" pitchFamily="34" charset="0"/>
+                  <a:cs typeface="Arial" panose="020B0604020202020204" pitchFamily="34" charset="0"/>
+                </a:rPr>
+                <a:t>nd</a:t>
+              </a:r>
+              <a:endParaRPr lang="de-DE" sz="2800">
+                <a:solidFill>
+                  <a:schemeClr val="tx1"/>
+                </a:solidFill>
+                <a:latin typeface="Arial" panose="020B0604020202020204" pitchFamily="34" charset="0"/>
+                <a:cs typeface="Arial" panose="020B0604020202020204" pitchFamily="34" charset="0"/>
+              </a:endParaRPr>
+            </a:p>
+          </p:txBody>
+        </p:sp>
+        <p:sp>
+          <p:nvSpPr>
+            <p:cNvPr id="27" name="Ellipse 26">
+              <a:extLst>
+                <a:ext uri="{FF2B5EF4-FFF2-40B4-BE49-F238E27FC236}">
+                  <a16:creationId xmlns:a16="http://schemas.microsoft.com/office/drawing/2014/main" id="{443A641A-8E78-BCD7-7E85-8EDC691358BA}"/>
+                </a:ext>
+              </a:extLst>
+            </p:cNvPr>
+            <p:cNvSpPr/>
+            <p:nvPr/>
+          </p:nvSpPr>
+          <p:spPr>
+            <a:xfrm>
+              <a:off x="3490535" y="3417221"/>
+              <a:ext cx="940762" cy="839124"/>
+            </a:xfrm>
+            <a:prstGeom prst="ellipse">
+              <a:avLst/>
+            </a:prstGeom>
+            <a:solidFill>
+              <a:schemeClr val="bg1"/>
+            </a:solidFill>
+            <a:ln w="38100">
+              <a:solidFill>
+                <a:srgbClr val="DEDD92"/>
+              </a:solidFill>
+            </a:ln>
+          </p:spPr>
+          <p:style>
+            <a:lnRef idx="2">
+              <a:schemeClr val="accent1">
+                <a:shade val="50000"/>
+              </a:schemeClr>
+            </a:lnRef>
+            <a:fillRef idx="1">
+              <a:schemeClr val="accent1"/>
+            </a:fillRef>
+            <a:effectRef idx="0">
+              <a:schemeClr val="accent1"/>
+            </a:effectRef>
+            <a:fontRef idx="minor">
+              <a:schemeClr val="lt1"/>
+            </a:fontRef>
+          </p:style>
+          <p:txBody>
+            <a:bodyPr rtlCol="0" anchor="ctr"/>
+            <a:lstStyle/>
+            <a:p>
+              <a:pPr algn="ctr" rtl="0"/>
+              <a:r>
+                <a:rPr lang="en-US" sz="2800">
+                  <a:solidFill>
+                    <a:schemeClr val="tx1"/>
+                  </a:solidFill>
+                  <a:latin typeface="Arial" panose="020B0604020202020204" pitchFamily="34" charset="0"/>
+                  <a:cs typeface="Arial" panose="020B0604020202020204" pitchFamily="34" charset="0"/>
+                </a:rPr>
+                <a:t>3</a:t>
+              </a:r>
+              <a:r>
+                <a:rPr lang="en-US" sz="2800" baseline="30000">
+                  <a:solidFill>
+                    <a:schemeClr val="tx1"/>
+                  </a:solidFill>
+                  <a:latin typeface="Arial" panose="020B0604020202020204" pitchFamily="34" charset="0"/>
+                  <a:cs typeface="Arial" panose="020B0604020202020204" pitchFamily="34" charset="0"/>
+                </a:rPr>
+                <a:t>rd</a:t>
+              </a:r>
+              <a:endParaRPr lang="de-DE" sz="2800">
+                <a:solidFill>
+                  <a:schemeClr val="tx1"/>
+                </a:solidFill>
+                <a:latin typeface="Arial" panose="020B0604020202020204" pitchFamily="34" charset="0"/>
+                <a:cs typeface="Arial" panose="020B0604020202020204" pitchFamily="34" charset="0"/>
+              </a:endParaRPr>
+            </a:p>
+          </p:txBody>
+        </p:sp>
+        <p:sp>
+          <p:nvSpPr>
+            <p:cNvPr id="28" name="Ellipse 27">
+              <a:extLst>
+                <a:ext uri="{FF2B5EF4-FFF2-40B4-BE49-F238E27FC236}">
+                  <a16:creationId xmlns:a16="http://schemas.microsoft.com/office/drawing/2014/main" id="{497C4F9E-AC51-095D-1E37-C0A1A330DAB1}"/>
+                </a:ext>
+              </a:extLst>
+            </p:cNvPr>
+            <p:cNvSpPr/>
+            <p:nvPr/>
+          </p:nvSpPr>
+          <p:spPr>
+            <a:xfrm>
+              <a:off x="4922138" y="3414568"/>
+              <a:ext cx="940762" cy="839124"/>
+            </a:xfrm>
+            <a:prstGeom prst="ellipse">
+              <a:avLst/>
+            </a:prstGeom>
+            <a:solidFill>
+              <a:schemeClr val="bg1"/>
+            </a:solidFill>
+            <a:ln w="38100">
+              <a:solidFill>
+                <a:srgbClr val="FFD966"/>
+              </a:solidFill>
+            </a:ln>
+          </p:spPr>
+          <p:style>
+            <a:lnRef idx="2">
+              <a:schemeClr val="accent1">
+                <a:shade val="50000"/>
+              </a:schemeClr>
+            </a:lnRef>
+            <a:fillRef idx="1">
+              <a:schemeClr val="accent1"/>
+            </a:fillRef>
+            <a:effectRef idx="0">
+              <a:schemeClr val="accent1"/>
+            </a:effectRef>
+            <a:fontRef idx="minor">
+              <a:schemeClr val="lt1"/>
+            </a:fontRef>
+          </p:style>
+          <p:txBody>
+            <a:bodyPr rtlCol="0" anchor="ctr"/>
+            <a:lstStyle/>
+            <a:p>
+              <a:pPr algn="ctr" rtl="0"/>
+              <a:r>
+                <a:rPr lang="en-US" sz="2800">
+                  <a:solidFill>
+                    <a:schemeClr val="tx1"/>
+                  </a:solidFill>
+                  <a:latin typeface="Arial" panose="020B0604020202020204" pitchFamily="34" charset="0"/>
+                  <a:cs typeface="Arial" panose="020B0604020202020204" pitchFamily="34" charset="0"/>
+                </a:rPr>
+                <a:t>4</a:t>
+              </a:r>
+              <a:r>
+                <a:rPr lang="en-US" sz="2800" baseline="30000">
+                  <a:solidFill>
+                    <a:schemeClr val="tx1"/>
+                  </a:solidFill>
+                  <a:latin typeface="Arial" panose="020B0604020202020204" pitchFamily="34" charset="0"/>
+                  <a:cs typeface="Arial" panose="020B0604020202020204" pitchFamily="34" charset="0"/>
+                </a:rPr>
+                <a:t>th</a:t>
+              </a:r>
+              <a:endParaRPr lang="de-DE" sz="2800">
+                <a:solidFill>
+                  <a:schemeClr val="tx1"/>
+                </a:solidFill>
+                <a:latin typeface="Arial" panose="020B0604020202020204" pitchFamily="34" charset="0"/>
+                <a:cs typeface="Arial" panose="020B0604020202020204" pitchFamily="34" charset="0"/>
+              </a:endParaRPr>
+            </a:p>
+          </p:txBody>
+        </p:sp>
+        <p:sp>
+          <p:nvSpPr>
+            <p:cNvPr id="29" name="Ellipse 28">
+              <a:extLst>
+                <a:ext uri="{FF2B5EF4-FFF2-40B4-BE49-F238E27FC236}">
+                  <a16:creationId xmlns:a16="http://schemas.microsoft.com/office/drawing/2014/main" id="{3F7BD3CE-BBDE-1EC2-CEC1-8CA273ACEDC7}"/>
+                </a:ext>
+              </a:extLst>
+            </p:cNvPr>
+            <p:cNvSpPr/>
+            <p:nvPr/>
+          </p:nvSpPr>
+          <p:spPr>
+            <a:xfrm>
+              <a:off x="6323308" y="3414568"/>
+              <a:ext cx="940762" cy="839124"/>
+            </a:xfrm>
+            <a:prstGeom prst="ellipse">
+              <a:avLst/>
+            </a:prstGeom>
+            <a:solidFill>
+              <a:schemeClr val="bg1"/>
+            </a:solidFill>
+            <a:ln w="38100">
+              <a:solidFill>
+                <a:srgbClr val="FBD18C"/>
+              </a:solidFill>
+            </a:ln>
+          </p:spPr>
+          <p:style>
+            <a:lnRef idx="2">
+              <a:schemeClr val="accent1">
+                <a:shade val="50000"/>
+              </a:schemeClr>
+            </a:lnRef>
+            <a:fillRef idx="1">
+              <a:schemeClr val="accent1"/>
+            </a:fillRef>
+            <a:effectRef idx="0">
+              <a:schemeClr val="accent1"/>
+            </a:effectRef>
+            <a:fontRef idx="minor">
+              <a:schemeClr val="lt1"/>
+            </a:fontRef>
+          </p:style>
+          <p:txBody>
+            <a:bodyPr rtlCol="0" anchor="ctr"/>
+            <a:lstStyle/>
+            <a:p>
+              <a:pPr algn="ctr" rtl="0"/>
+              <a:r>
+                <a:rPr lang="en-US" sz="2800">
+                  <a:solidFill>
+                    <a:schemeClr val="tx1"/>
+                  </a:solidFill>
+                  <a:latin typeface="Arial" panose="020B0604020202020204" pitchFamily="34" charset="0"/>
+                  <a:cs typeface="Arial" panose="020B0604020202020204" pitchFamily="34" charset="0"/>
+                </a:rPr>
+                <a:t>5</a:t>
+              </a:r>
+              <a:r>
+                <a:rPr lang="en-US" sz="2800" baseline="30000">
+                  <a:solidFill>
+                    <a:schemeClr val="tx1"/>
+                  </a:solidFill>
+                  <a:latin typeface="Arial" panose="020B0604020202020204" pitchFamily="34" charset="0"/>
+                  <a:cs typeface="Arial" panose="020B0604020202020204" pitchFamily="34" charset="0"/>
+                </a:rPr>
+                <a:t>th</a:t>
+              </a:r>
+              <a:endParaRPr lang="de-DE" sz="2800">
+                <a:solidFill>
+                  <a:schemeClr val="tx1"/>
+                </a:solidFill>
+                <a:latin typeface="Arial" panose="020B0604020202020204" pitchFamily="34" charset="0"/>
+                <a:cs typeface="Arial" panose="020B0604020202020204" pitchFamily="34" charset="0"/>
+              </a:endParaRPr>
+            </a:p>
+          </p:txBody>
+        </p:sp>
+        <p:sp>
+          <p:nvSpPr>
+            <p:cNvPr id="30" name="Ellipse 29">
+              <a:extLst>
+                <a:ext uri="{FF2B5EF4-FFF2-40B4-BE49-F238E27FC236}">
+                  <a16:creationId xmlns:a16="http://schemas.microsoft.com/office/drawing/2014/main" id="{FE52A2C8-37F9-BB1B-64DF-2B6F9F8A6F6E}"/>
+                </a:ext>
+              </a:extLst>
+            </p:cNvPr>
+            <p:cNvSpPr/>
+            <p:nvPr/>
+          </p:nvSpPr>
+          <p:spPr>
+            <a:xfrm>
+              <a:off x="7752807" y="3414568"/>
+              <a:ext cx="940762" cy="839124"/>
+            </a:xfrm>
+            <a:prstGeom prst="ellipse">
+              <a:avLst/>
+            </a:prstGeom>
+            <a:solidFill>
+              <a:schemeClr val="bg1"/>
+            </a:solidFill>
+            <a:ln w="38100">
+              <a:solidFill>
+                <a:srgbClr val="F6C19D"/>
+              </a:solidFill>
+            </a:ln>
+          </p:spPr>
+          <p:style>
+            <a:lnRef idx="2">
+              <a:schemeClr val="accent1">
+                <a:shade val="50000"/>
+              </a:schemeClr>
+            </a:lnRef>
+            <a:fillRef idx="1">
+              <a:schemeClr val="accent1"/>
+            </a:fillRef>
+            <a:effectRef idx="0">
+              <a:schemeClr val="accent1"/>
+            </a:effectRef>
+            <a:fontRef idx="minor">
+              <a:schemeClr val="lt1"/>
+            </a:fontRef>
+          </p:style>
+          <p:txBody>
+            <a:bodyPr rtlCol="0" anchor="ctr"/>
+            <a:lstStyle/>
+            <a:p>
+              <a:pPr algn="ctr"/>
+              <a:r>
+                <a:rPr lang="en-US" sz="2800">
+                  <a:solidFill>
+                    <a:schemeClr val="tx1"/>
+                  </a:solidFill>
+                  <a:latin typeface="Arial" panose="020B0604020202020204" pitchFamily="34" charset="0"/>
+                  <a:cs typeface="Arial" panose="020B0604020202020204" pitchFamily="34" charset="0"/>
+                </a:rPr>
+                <a:t>6</a:t>
+              </a:r>
+              <a:r>
+                <a:rPr lang="en-US" sz="2800" baseline="30000">
+                  <a:solidFill>
+                    <a:schemeClr val="tx1"/>
+                  </a:solidFill>
+                  <a:latin typeface="Arial" panose="020B0604020202020204" pitchFamily="34" charset="0"/>
+                  <a:cs typeface="Arial" panose="020B0604020202020204" pitchFamily="34" charset="0"/>
+                </a:rPr>
+                <a:t>th</a:t>
+              </a:r>
+              <a:endParaRPr lang="de-DE" sz="2800">
+                <a:solidFill>
+                  <a:schemeClr val="accent4"/>
+                </a:solidFill>
+              </a:endParaRPr>
+            </a:p>
+          </p:txBody>
+        </p:sp>
+        <p:sp>
+          <p:nvSpPr>
+            <p:cNvPr id="31" name="Ellipse 30">
+              <a:extLst>
+                <a:ext uri="{FF2B5EF4-FFF2-40B4-BE49-F238E27FC236}">
+                  <a16:creationId xmlns:a16="http://schemas.microsoft.com/office/drawing/2014/main" id="{5F7660F3-B241-90FC-3A81-871714BB1A7F}"/>
+                </a:ext>
+              </a:extLst>
+            </p:cNvPr>
+            <p:cNvSpPr/>
+            <p:nvPr/>
+          </p:nvSpPr>
+          <p:spPr>
+            <a:xfrm>
+              <a:off x="9190526" y="3414568"/>
+              <a:ext cx="940762" cy="839124"/>
+            </a:xfrm>
+            <a:prstGeom prst="ellipse">
+              <a:avLst/>
+            </a:prstGeom>
+            <a:solidFill>
+              <a:schemeClr val="bg1"/>
+            </a:solidFill>
+            <a:ln w="38100">
+              <a:solidFill>
+                <a:srgbClr val="F4B183"/>
+              </a:solidFill>
+            </a:ln>
+          </p:spPr>
+          <p:style>
+            <a:lnRef idx="2">
+              <a:schemeClr val="accent1">
+                <a:shade val="50000"/>
+              </a:schemeClr>
+            </a:lnRef>
+            <a:fillRef idx="1">
+              <a:schemeClr val="accent1"/>
+            </a:fillRef>
+            <a:effectRef idx="0">
+              <a:schemeClr val="accent1"/>
+            </a:effectRef>
+            <a:fontRef idx="minor">
+              <a:schemeClr val="lt1"/>
+            </a:fontRef>
+          </p:style>
+          <p:txBody>
+            <a:bodyPr rtlCol="0" anchor="ctr"/>
+            <a:lstStyle/>
+            <a:p>
+              <a:pPr algn="ctr"/>
+              <a:r>
+                <a:rPr lang="en-US" sz="3200">
+                  <a:solidFill>
+                    <a:schemeClr val="tx1"/>
+                  </a:solidFill>
+                  <a:latin typeface="Arial" panose="020B0604020202020204" pitchFamily="34" charset="0"/>
+                  <a:cs typeface="Arial" panose="020B0604020202020204" pitchFamily="34" charset="0"/>
+                </a:rPr>
+                <a:t>7</a:t>
+              </a:r>
+              <a:r>
+                <a:rPr lang="en-US" sz="3200" baseline="30000">
+                  <a:solidFill>
+                    <a:schemeClr val="tx1"/>
+                  </a:solidFill>
+                  <a:latin typeface="Arial" panose="020B0604020202020204" pitchFamily="34" charset="0"/>
+                  <a:cs typeface="Arial" panose="020B0604020202020204" pitchFamily="34" charset="0"/>
+                </a:rPr>
+                <a:t>th</a:t>
+              </a:r>
+              <a:endParaRPr lang="de-DE" sz="3200">
+                <a:solidFill>
+                  <a:schemeClr val="accent4"/>
+                </a:solidFill>
+              </a:endParaRPr>
+            </a:p>
+          </p:txBody>
+        </p:sp>
+        <p:sp>
+          <p:nvSpPr>
+            <p:cNvPr id="32" name="Ellipse 31">
+              <a:extLst>
+                <a:ext uri="{FF2B5EF4-FFF2-40B4-BE49-F238E27FC236}">
+                  <a16:creationId xmlns:a16="http://schemas.microsoft.com/office/drawing/2014/main" id="{29266791-BE1A-D07B-5420-629BF88FF74D}"/>
+                </a:ext>
+              </a:extLst>
+            </p:cNvPr>
+            <p:cNvSpPr/>
+            <p:nvPr/>
+          </p:nvSpPr>
+          <p:spPr>
+            <a:xfrm>
+              <a:off x="10587684" y="3392227"/>
+              <a:ext cx="940762" cy="839124"/>
+            </a:xfrm>
+            <a:prstGeom prst="ellipse">
+              <a:avLst/>
+            </a:prstGeom>
+            <a:solidFill>
+              <a:schemeClr val="bg1"/>
+            </a:solidFill>
+            <a:ln w="38100">
+              <a:solidFill>
+                <a:srgbClr val="D67000"/>
+              </a:solidFill>
+            </a:ln>
+          </p:spPr>
+          <p:style>
+            <a:lnRef idx="2">
+              <a:schemeClr val="accent1">
+                <a:shade val="50000"/>
+              </a:schemeClr>
+            </a:lnRef>
+            <a:fillRef idx="1">
+              <a:schemeClr val="accent1"/>
+            </a:fillRef>
+            <a:effectRef idx="0">
+              <a:schemeClr val="accent1"/>
+            </a:effectRef>
+            <a:fontRef idx="minor">
+              <a:schemeClr val="lt1"/>
+            </a:fontRef>
+          </p:style>
+          <p:txBody>
+            <a:bodyPr rtlCol="0" anchor="ctr"/>
+            <a:lstStyle/>
+            <a:p>
+              <a:pPr algn="ctr"/>
+              <a:r>
+                <a:rPr lang="en-US" sz="2800">
+                  <a:solidFill>
+                    <a:schemeClr val="tx1"/>
+                  </a:solidFill>
+                  <a:latin typeface="Arial" panose="020B0604020202020204" pitchFamily="34" charset="0"/>
+                  <a:cs typeface="Arial" panose="020B0604020202020204" pitchFamily="34" charset="0"/>
+                </a:rPr>
+                <a:t>8</a:t>
+              </a:r>
+              <a:r>
+                <a:rPr lang="en-US" sz="2800" baseline="30000">
+                  <a:solidFill>
+                    <a:schemeClr val="tx1"/>
+                  </a:solidFill>
+                  <a:latin typeface="Arial" panose="020B0604020202020204" pitchFamily="34" charset="0"/>
+                  <a:cs typeface="Arial" panose="020B0604020202020204" pitchFamily="34" charset="0"/>
+                </a:rPr>
+                <a:t>th</a:t>
+              </a:r>
+              <a:endParaRPr lang="de-DE" sz="2800" dirty="0">
+                <a:solidFill>
+                  <a:schemeClr val="accent4"/>
+                </a:solidFill>
+              </a:endParaRPr>
+            </a:p>
+            <a:p>
+              <a:pPr algn="ctr"/>
+              <a:r>
+                <a:rPr lang="en-US" sz="2800" dirty="0">
+                  <a:solidFill>
+                    <a:schemeClr val="tx1"/>
+                  </a:solidFill>
+                  <a:latin typeface="Arial" panose="020B0604020202020204" pitchFamily="34" charset="0"/>
+                  <a:cs typeface="Arial" panose="020B0604020202020204" pitchFamily="34" charset="0"/>
+                </a:rPr>
+                <a:t>9</a:t>
+              </a:r>
+              <a:r>
+                <a:rPr lang="en-US" sz="2800" baseline="30000" dirty="0">
+                  <a:solidFill>
+                    <a:schemeClr val="tx1"/>
+                  </a:solidFill>
+                  <a:latin typeface="Arial" panose="020B0604020202020204" pitchFamily="34" charset="0"/>
+                  <a:cs typeface="Arial" panose="020B0604020202020204" pitchFamily="34" charset="0"/>
+                </a:rPr>
+                <a:t>th</a:t>
+              </a:r>
+              <a:endParaRPr lang="de-DE" sz="2800" dirty="0">
+                <a:solidFill>
+                  <a:schemeClr val="accent4"/>
+                </a:solidFill>
+              </a:endParaRPr>
+            </a:p>
+          </p:txBody>
+        </p:sp>
+      </p:grpSp>
+      <p:sp>
+        <p:nvSpPr>
+          <p:cNvPr id="43" name="Textfeld 42">
+            <a:extLst>
+              <a:ext uri="{FF2B5EF4-FFF2-40B4-BE49-F238E27FC236}">
+                <a16:creationId xmlns:a16="http://schemas.microsoft.com/office/drawing/2014/main" id="{AB64B746-DF94-8C3F-C250-F0ABA0971E95}"/>
+              </a:ext>
+            </a:extLst>
+          </p:cNvPr>
+          <p:cNvSpPr txBox="1"/>
+          <p:nvPr/>
+        </p:nvSpPr>
+        <p:spPr>
+          <a:xfrm>
+            <a:off x="340514" y="1246713"/>
+            <a:ext cx="1767342" cy="1846659"/>
+          </a:xfrm>
+          <a:prstGeom prst="rect">
+            <a:avLst/>
+          </a:prstGeom>
+          <a:noFill/>
+        </p:spPr>
+        <p:txBody>
+          <a:bodyPr wrap="square" lIns="91440" tIns="45720" rIns="91440" bIns="45720" anchor="t">
+            <a:spAutoFit/>
+          </a:bodyPr>
+          <a:lstStyle/>
+          <a:p>
+            <a:r>
+              <a:rPr lang="de-DE" sz="2400">
+                <a:solidFill>
+                  <a:srgbClr val="385723"/>
+                </a:solidFill>
+                <a:latin typeface="Arial"/>
+                <a:cs typeface="Arial"/>
+              </a:rPr>
+              <a:t>Milestone 1</a:t>
+            </a:r>
+          </a:p>
+          <a:p>
+            <a:endParaRPr lang="de-DE">
+              <a:solidFill>
+                <a:srgbClr val="385723"/>
+              </a:solidFill>
+              <a:latin typeface="Arial" panose="020B0604020202020204" pitchFamily="34" charset="0"/>
+              <a:cs typeface="Arial" panose="020B0604020202020204" pitchFamily="34" charset="0"/>
+            </a:endParaRPr>
+          </a:p>
+          <a:p>
+            <a:r>
+              <a:rPr lang="de-DE" err="1">
+                <a:latin typeface="Calibri"/>
+                <a:cs typeface="Calibri"/>
+              </a:rPr>
+              <a:t>Preparing</a:t>
+            </a:r>
+            <a:r>
+              <a:rPr lang="de-DE">
+                <a:latin typeface="Calibri"/>
+                <a:cs typeface="Calibri"/>
+              </a:rPr>
+              <a:t> </a:t>
+            </a:r>
+            <a:r>
+              <a:rPr lang="de-DE" err="1">
+                <a:latin typeface="Calibri"/>
+                <a:cs typeface="Calibri"/>
+              </a:rPr>
+              <a:t>dataset</a:t>
+            </a:r>
+            <a:r>
+              <a:rPr lang="de-DE">
+                <a:latin typeface="Calibri"/>
+                <a:cs typeface="Calibri"/>
+              </a:rPr>
+              <a:t> </a:t>
+            </a:r>
+            <a:r>
+              <a:rPr lang="de-DE" err="1">
+                <a:latin typeface="Calibri"/>
+                <a:cs typeface="Calibri"/>
+              </a:rPr>
+              <a:t>for</a:t>
+            </a:r>
+            <a:r>
+              <a:rPr lang="de-DE">
+                <a:latin typeface="Calibri"/>
+                <a:cs typeface="Calibri"/>
+              </a:rPr>
+              <a:t> </a:t>
+            </a:r>
+            <a:r>
+              <a:rPr lang="de-DE" err="1">
+                <a:latin typeface="Calibri"/>
+                <a:cs typeface="Calibri"/>
+              </a:rPr>
+              <a:t>analysis</a:t>
+            </a:r>
+            <a:r>
+              <a:rPr lang="de-DE">
+                <a:latin typeface="Calibri"/>
+                <a:cs typeface="Calibri"/>
+              </a:rPr>
+              <a:t> </a:t>
+            </a:r>
+            <a:endParaRPr lang="en-US">
+              <a:latin typeface="Calibri"/>
+              <a:cs typeface="Calibri"/>
+            </a:endParaRPr>
+          </a:p>
+          <a:p>
+            <a:endParaRPr lang="de-DE">
+              <a:latin typeface="Arial" panose="020B0604020202020204" pitchFamily="34" charset="0"/>
+              <a:cs typeface="Arial" panose="020B0604020202020204" pitchFamily="34" charset="0"/>
+            </a:endParaRPr>
+          </a:p>
+        </p:txBody>
+      </p:sp>
+    </p:spTree>
+    <p:extLst>
+      <p:ext uri="{BB962C8B-B14F-4D97-AF65-F5344CB8AC3E}">
+        <p14:creationId xmlns:p14="http://schemas.microsoft.com/office/powerpoint/2010/main" val="2178620150"/>
+      </p:ext>
+    </p:extLst>
+  </p:cSld>
+  <p:clrMapOvr>
+    <a:masterClrMapping/>
+  </p:clrMapOvr>
+</p:sld>
+</file>
+
+<file path=ppt/slides/slide13.xml><?xml version="1.0" encoding="utf-8"?>
 <p:sld xmlns:a="http://schemas.openxmlformats.org/drawingml/2006/main" xmlns:r="http://schemas.openxmlformats.org/officeDocument/2006/relationships" xmlns:p="http://schemas.openxmlformats.org/presentationml/2006/main">
   <p:cSld>
     <p:spTree>
@@ -10738,7 +12917,7 @@
 </p:sld>
 </file>
 
-<file path=ppt/slides/slide13.xml><?xml version="1.0" encoding="utf-8"?>
+<file path=ppt/slides/slide14.xml><?xml version="1.0" encoding="utf-8"?>
 <p:sld xmlns:a="http://schemas.openxmlformats.org/drawingml/2006/main" xmlns:r="http://schemas.openxmlformats.org/officeDocument/2006/relationships" xmlns:p="http://schemas.openxmlformats.org/presentationml/2006/main">
   <p:cSld>
     <p:spTree>
@@ -11224,7 +13403,7 @@
 </p:sld>
 </file>
 
-<file path=ppt/slides/slide14.xml><?xml version="1.0" encoding="utf-8"?>
+<file path=ppt/slides/slide15.xml><?xml version="1.0" encoding="utf-8"?>
 <p:sld xmlns:a="http://schemas.openxmlformats.org/drawingml/2006/main" xmlns:r="http://schemas.openxmlformats.org/officeDocument/2006/relationships" xmlns:p="http://schemas.openxmlformats.org/presentationml/2006/main">
   <p:cSld>
     <p:spTree>
@@ -13369,7 +15548,7 @@
 </p:sld>
 </file>
 
-<file path=ppt/slides/slide15.xml><?xml version="1.0" encoding="utf-8"?>
+<file path=ppt/slides/slide16.xml><?xml version="1.0" encoding="utf-8"?>
 <p:sld xmlns:a="http://schemas.openxmlformats.org/drawingml/2006/main" xmlns:r="http://schemas.openxmlformats.org/officeDocument/2006/relationships" xmlns:p="http://schemas.openxmlformats.org/presentationml/2006/main">
   <p:cSld>
     <p:spTree>
@@ -13886,7 +16065,7 @@
 </p:sld>
 </file>
 
-<file path=ppt/slides/slide16.xml><?xml version="1.0" encoding="utf-8"?>
+<file path=ppt/slides/slide17.xml><?xml version="1.0" encoding="utf-8"?>
 <p:sld xmlns:a="http://schemas.openxmlformats.org/drawingml/2006/main" xmlns:r="http://schemas.openxmlformats.org/officeDocument/2006/relationships" xmlns:p="http://schemas.openxmlformats.org/presentationml/2006/main">
   <p:cSld>
     <p:spTree>
@@ -15999,192 +18178,6 @@
 </p:sld>
 </file>
 
-<file path=ppt/slides/slide17.xml><?xml version="1.0" encoding="utf-8"?>
-<p:sld xmlns:a="http://schemas.openxmlformats.org/drawingml/2006/main" xmlns:r="http://schemas.openxmlformats.org/officeDocument/2006/relationships" xmlns:p="http://schemas.openxmlformats.org/presentationml/2006/main">
-  <p:cSld>
-    <p:spTree>
-      <p:nvGrpSpPr>
-        <p:cNvPr id="1" name=""/>
-        <p:cNvGrpSpPr/>
-        <p:nvPr/>
-      </p:nvGrpSpPr>
-      <p:grpSpPr>
-        <a:xfrm>
-          <a:off x="0" y="0"/>
-          <a:ext cx="0" cy="0"/>
-          <a:chOff x="0" y="0"/>
-          <a:chExt cx="0" cy="0"/>
-        </a:xfrm>
-      </p:grpSpPr>
-      <p:sp>
-        <p:nvSpPr>
-          <p:cNvPr id="3" name="Textfeld 2">
-            <a:extLst>
-              <a:ext uri="{FF2B5EF4-FFF2-40B4-BE49-F238E27FC236}">
-                <a16:creationId xmlns:a16="http://schemas.microsoft.com/office/drawing/2014/main" id="{64B8983F-5C17-5272-29C6-6653277B93C8}"/>
-              </a:ext>
-            </a:extLst>
-          </p:cNvPr>
-          <p:cNvSpPr txBox="1"/>
-          <p:nvPr/>
-        </p:nvSpPr>
-        <p:spPr>
-          <a:xfrm>
-            <a:off x="476249" y="401052"/>
-            <a:ext cx="10076447" cy="2031325"/>
-          </a:xfrm>
-          <a:prstGeom prst="rect">
-            <a:avLst/>
-          </a:prstGeom>
-          <a:noFill/>
-        </p:spPr>
-        <p:txBody>
-          <a:bodyPr rot="0" spcFirstLastPara="0" vertOverflow="overflow" horzOverflow="overflow" vert="horz" wrap="square" lIns="91440" tIns="45720" rIns="91440" bIns="45720" numCol="1" spcCol="0" rtlCol="0" fromWordArt="0" anchor="t" anchorCtr="0" forceAA="0" compatLnSpc="1">
-            <a:prstTxWarp prst="textNoShape">
-              <a:avLst/>
-            </a:prstTxWarp>
-            <a:spAutoFit/>
-          </a:bodyPr>
-          <a:lstStyle/>
-          <a:p>
-            <a:endParaRPr lang="de-DE">
-              <a:cs typeface="Calibri"/>
-            </a:endParaRPr>
-          </a:p>
-          <a:p>
-            <a:r>
-              <a:rPr lang="de-DE" err="1">
-                <a:cs typeface="Calibri"/>
-              </a:rPr>
-              <a:t>identifying</a:t>
-            </a:r>
-            <a:r>
-              <a:rPr lang="de-DE">
-                <a:cs typeface="Calibri"/>
-              </a:rPr>
-              <a:t> </a:t>
-            </a:r>
-            <a:r>
-              <a:rPr lang="de-DE" err="1">
-                <a:cs typeface="Calibri"/>
-              </a:rPr>
-              <a:t>local</a:t>
-            </a:r>
-            <a:r>
-              <a:rPr lang="de-DE">
-                <a:cs typeface="Calibri"/>
-              </a:rPr>
-              <a:t> </a:t>
-            </a:r>
-            <a:r>
-              <a:rPr lang="de-DE" err="1">
-                <a:cs typeface="Calibri"/>
-              </a:rPr>
-              <a:t>maxima</a:t>
-            </a:r>
-            <a:r>
-              <a:rPr lang="de-DE">
-                <a:cs typeface="Calibri"/>
-              </a:rPr>
-              <a:t> </a:t>
-            </a:r>
-            <a:endParaRPr lang="de-DE"/>
-          </a:p>
-          <a:p>
-            <a:r>
-              <a:rPr lang="de-DE">
-                <a:cs typeface="Calibri"/>
-              </a:rPr>
-              <a:t>Add </a:t>
-            </a:r>
-            <a:r>
-              <a:rPr lang="de-DE" err="1">
-                <a:cs typeface="Calibri"/>
-              </a:rPr>
-              <a:t>shoulder</a:t>
-            </a:r>
-            <a:r>
-              <a:rPr lang="de-DE">
-                <a:cs typeface="Calibri"/>
-              </a:rPr>
-              <a:t> </a:t>
-            </a:r>
-            <a:r>
-              <a:rPr lang="de-DE" err="1">
-                <a:cs typeface="Calibri"/>
-              </a:rPr>
-              <a:t>regions</a:t>
-            </a:r>
-            <a:r>
-              <a:rPr lang="de-DE">
-                <a:cs typeface="Calibri"/>
-              </a:rPr>
-              <a:t> </a:t>
-            </a:r>
-            <a:endParaRPr lang="de-DE"/>
-          </a:p>
-          <a:p>
-            <a:r>
-              <a:rPr lang="de-DE">
-                <a:cs typeface="Calibri"/>
-              </a:rPr>
-              <a:t>Fitting </a:t>
-            </a:r>
-            <a:r>
-              <a:rPr lang="de-DE" err="1">
-                <a:cs typeface="Calibri"/>
-              </a:rPr>
-              <a:t>gaussian</a:t>
-            </a:r>
-            <a:r>
-              <a:rPr lang="de-DE">
-                <a:cs typeface="Calibri"/>
-              </a:rPr>
-              <a:t> </a:t>
-            </a:r>
-            <a:r>
-              <a:rPr lang="de-DE" err="1">
-                <a:cs typeface="Calibri"/>
-              </a:rPr>
-              <a:t>curves</a:t>
-            </a:r>
-            <a:r>
-              <a:rPr lang="de-DE">
-                <a:cs typeface="Calibri"/>
-              </a:rPr>
-              <a:t> </a:t>
-            </a:r>
-          </a:p>
-          <a:p>
-            <a:endParaRPr lang="de-DE">
-              <a:cs typeface="Calibri"/>
-            </a:endParaRPr>
-          </a:p>
-          <a:p>
-            <a:endParaRPr lang="de-DE">
-              <a:cs typeface="Calibri"/>
-            </a:endParaRPr>
-          </a:p>
-          <a:p>
-            <a:endParaRPr lang="de-DE">
-              <a:cs typeface="Calibri"/>
-            </a:endParaRPr>
-          </a:p>
-        </p:txBody>
-      </p:sp>
-    </p:spTree>
-    <p:extLst>
-      <p:ext uri="{BB962C8B-B14F-4D97-AF65-F5344CB8AC3E}">
-        <p14:creationId xmlns:p14="http://schemas.microsoft.com/office/powerpoint/2010/main" val="1139936437"/>
-      </p:ext>
-    </p:extLst>
-  </p:cSld>
-  <p:clrMapOvr>
-    <a:masterClrMapping/>
-  </p:clrMapOvr>
-</p:sld>
-</file>
-
 <file path=ppt/slides/slide170.xml><?xml version="1.0" encoding="utf-8"?>
 <p:sld xmlns:a="http://schemas.openxmlformats.org/drawingml/2006/main" xmlns:r="http://schemas.openxmlformats.org/officeDocument/2006/relationships" xmlns:p="http://schemas.openxmlformats.org/presentationml/2006/main">
   <p:cSld>
@@ -16448,6 +18441,192 @@
 </file>
 
 <file path=ppt/slides/slide18.xml><?xml version="1.0" encoding="utf-8"?>
+<p:sld xmlns:a="http://schemas.openxmlformats.org/drawingml/2006/main" xmlns:r="http://schemas.openxmlformats.org/officeDocument/2006/relationships" xmlns:p="http://schemas.openxmlformats.org/presentationml/2006/main">
+  <p:cSld>
+    <p:spTree>
+      <p:nvGrpSpPr>
+        <p:cNvPr id="1" name=""/>
+        <p:cNvGrpSpPr/>
+        <p:nvPr/>
+      </p:nvGrpSpPr>
+      <p:grpSpPr>
+        <a:xfrm>
+          <a:off x="0" y="0"/>
+          <a:ext cx="0" cy="0"/>
+          <a:chOff x="0" y="0"/>
+          <a:chExt cx="0" cy="0"/>
+        </a:xfrm>
+      </p:grpSpPr>
+      <p:sp>
+        <p:nvSpPr>
+          <p:cNvPr id="3" name="Textfeld 2">
+            <a:extLst>
+              <a:ext uri="{FF2B5EF4-FFF2-40B4-BE49-F238E27FC236}">
+                <a16:creationId xmlns:a16="http://schemas.microsoft.com/office/drawing/2014/main" id="{64B8983F-5C17-5272-29C6-6653277B93C8}"/>
+              </a:ext>
+            </a:extLst>
+          </p:cNvPr>
+          <p:cNvSpPr txBox="1"/>
+          <p:nvPr/>
+        </p:nvSpPr>
+        <p:spPr>
+          <a:xfrm>
+            <a:off x="476249" y="401052"/>
+            <a:ext cx="10076447" cy="2031325"/>
+          </a:xfrm>
+          <a:prstGeom prst="rect">
+            <a:avLst/>
+          </a:prstGeom>
+          <a:noFill/>
+        </p:spPr>
+        <p:txBody>
+          <a:bodyPr rot="0" spcFirstLastPara="0" vertOverflow="overflow" horzOverflow="overflow" vert="horz" wrap="square" lIns="91440" tIns="45720" rIns="91440" bIns="45720" numCol="1" spcCol="0" rtlCol="0" fromWordArt="0" anchor="t" anchorCtr="0" forceAA="0" compatLnSpc="1">
+            <a:prstTxWarp prst="textNoShape">
+              <a:avLst/>
+            </a:prstTxWarp>
+            <a:spAutoFit/>
+          </a:bodyPr>
+          <a:lstStyle/>
+          <a:p>
+            <a:endParaRPr lang="de-DE">
+              <a:cs typeface="Calibri"/>
+            </a:endParaRPr>
+          </a:p>
+          <a:p>
+            <a:r>
+              <a:rPr lang="de-DE" err="1">
+                <a:cs typeface="Calibri"/>
+              </a:rPr>
+              <a:t>identifying</a:t>
+            </a:r>
+            <a:r>
+              <a:rPr lang="de-DE">
+                <a:cs typeface="Calibri"/>
+              </a:rPr>
+              <a:t> </a:t>
+            </a:r>
+            <a:r>
+              <a:rPr lang="de-DE" err="1">
+                <a:cs typeface="Calibri"/>
+              </a:rPr>
+              <a:t>local</a:t>
+            </a:r>
+            <a:r>
+              <a:rPr lang="de-DE">
+                <a:cs typeface="Calibri"/>
+              </a:rPr>
+              <a:t> </a:t>
+            </a:r>
+            <a:r>
+              <a:rPr lang="de-DE" err="1">
+                <a:cs typeface="Calibri"/>
+              </a:rPr>
+              <a:t>maxima</a:t>
+            </a:r>
+            <a:r>
+              <a:rPr lang="de-DE">
+                <a:cs typeface="Calibri"/>
+              </a:rPr>
+              <a:t> </a:t>
+            </a:r>
+            <a:endParaRPr lang="de-DE"/>
+          </a:p>
+          <a:p>
+            <a:r>
+              <a:rPr lang="de-DE">
+                <a:cs typeface="Calibri"/>
+              </a:rPr>
+              <a:t>Add </a:t>
+            </a:r>
+            <a:r>
+              <a:rPr lang="de-DE" err="1">
+                <a:cs typeface="Calibri"/>
+              </a:rPr>
+              <a:t>shoulder</a:t>
+            </a:r>
+            <a:r>
+              <a:rPr lang="de-DE">
+                <a:cs typeface="Calibri"/>
+              </a:rPr>
+              <a:t> </a:t>
+            </a:r>
+            <a:r>
+              <a:rPr lang="de-DE" err="1">
+                <a:cs typeface="Calibri"/>
+              </a:rPr>
+              <a:t>regions</a:t>
+            </a:r>
+            <a:r>
+              <a:rPr lang="de-DE">
+                <a:cs typeface="Calibri"/>
+              </a:rPr>
+              <a:t> </a:t>
+            </a:r>
+            <a:endParaRPr lang="de-DE"/>
+          </a:p>
+          <a:p>
+            <a:r>
+              <a:rPr lang="de-DE">
+                <a:cs typeface="Calibri"/>
+              </a:rPr>
+              <a:t>Fitting </a:t>
+            </a:r>
+            <a:r>
+              <a:rPr lang="de-DE" err="1">
+                <a:cs typeface="Calibri"/>
+              </a:rPr>
+              <a:t>gaussian</a:t>
+            </a:r>
+            <a:r>
+              <a:rPr lang="de-DE">
+                <a:cs typeface="Calibri"/>
+              </a:rPr>
+              <a:t> </a:t>
+            </a:r>
+            <a:r>
+              <a:rPr lang="de-DE" err="1">
+                <a:cs typeface="Calibri"/>
+              </a:rPr>
+              <a:t>curves</a:t>
+            </a:r>
+            <a:r>
+              <a:rPr lang="de-DE">
+                <a:cs typeface="Calibri"/>
+              </a:rPr>
+              <a:t> </a:t>
+            </a:r>
+          </a:p>
+          <a:p>
+            <a:endParaRPr lang="de-DE">
+              <a:cs typeface="Calibri"/>
+            </a:endParaRPr>
+          </a:p>
+          <a:p>
+            <a:endParaRPr lang="de-DE">
+              <a:cs typeface="Calibri"/>
+            </a:endParaRPr>
+          </a:p>
+          <a:p>
+            <a:endParaRPr lang="de-DE">
+              <a:cs typeface="Calibri"/>
+            </a:endParaRPr>
+          </a:p>
+        </p:txBody>
+      </p:sp>
+    </p:spTree>
+    <p:extLst>
+      <p:ext uri="{BB962C8B-B14F-4D97-AF65-F5344CB8AC3E}">
+        <p14:creationId xmlns:p14="http://schemas.microsoft.com/office/powerpoint/2010/main" val="1139936437"/>
+      </p:ext>
+    </p:extLst>
+  </p:cSld>
+  <p:clrMapOvr>
+    <a:masterClrMapping/>
+  </p:clrMapOvr>
+</p:sld>
+</file>
+
+<file path=ppt/slides/slide19.xml><?xml version="1.0" encoding="utf-8"?>
 <p:sld xmlns:a="http://schemas.openxmlformats.org/drawingml/2006/main" xmlns:r="http://schemas.openxmlformats.org/officeDocument/2006/relationships" xmlns:p="http://schemas.openxmlformats.org/presentationml/2006/main">
   <p:cSld>
     <p:spTree>
@@ -18590,247 +20769,6 @@
 </p:sld>
 </file>
 
-<file path=ppt/slides/slide19.xml><?xml version="1.0" encoding="utf-8"?>
-<p:sld xmlns:a="http://schemas.openxmlformats.org/drawingml/2006/main" xmlns:r="http://schemas.openxmlformats.org/officeDocument/2006/relationships" xmlns:p="http://schemas.openxmlformats.org/presentationml/2006/main">
-  <p:cSld>
-    <p:spTree>
-      <p:nvGrpSpPr>
-        <p:cNvPr id="1" name=""/>
-        <p:cNvGrpSpPr/>
-        <p:nvPr/>
-      </p:nvGrpSpPr>
-      <p:grpSpPr>
-        <a:xfrm>
-          <a:off x="0" y="0"/>
-          <a:ext cx="0" cy="0"/>
-          <a:chOff x="0" y="0"/>
-          <a:chExt cx="0" cy="0"/>
-        </a:xfrm>
-      </p:grpSpPr>
-      <p:sp>
-        <p:nvSpPr>
-          <p:cNvPr id="3" name="Textfeld 2">
-            <a:extLst>
-              <a:ext uri="{FF2B5EF4-FFF2-40B4-BE49-F238E27FC236}">
-                <a16:creationId xmlns:a16="http://schemas.microsoft.com/office/drawing/2014/main" id="{016B7E3F-C943-77AF-BF51-1397AE9D42C0}"/>
-              </a:ext>
-            </a:extLst>
-          </p:cNvPr>
-          <p:cNvSpPr txBox="1"/>
-          <p:nvPr/>
-        </p:nvSpPr>
-        <p:spPr>
-          <a:xfrm>
-            <a:off x="551447" y="451184"/>
-            <a:ext cx="6166184" cy="1200329"/>
-          </a:xfrm>
-          <a:prstGeom prst="rect">
-            <a:avLst/>
-          </a:prstGeom>
-          <a:noFill/>
-        </p:spPr>
-        <p:txBody>
-          <a:bodyPr rot="0" spcFirstLastPara="0" vertOverflow="overflow" horzOverflow="overflow" vert="horz" wrap="square" lIns="91440" tIns="45720" rIns="91440" bIns="45720" numCol="1" spcCol="0" rtlCol="0" fromWordArt="0" anchor="t" anchorCtr="0" forceAA="0" compatLnSpc="1">
-            <a:prstTxWarp prst="textNoShape">
-              <a:avLst/>
-            </a:prstTxWarp>
-            <a:spAutoFit/>
-          </a:bodyPr>
-          <a:lstStyle/>
-          <a:p>
-            <a:r>
-              <a:rPr lang="de-DE" err="1">
-                <a:cs typeface="Calibri"/>
-              </a:rPr>
-              <a:t>Plotting</a:t>
-            </a:r>
-            <a:r>
-              <a:rPr lang="de-DE">
-                <a:cs typeface="Calibri"/>
-              </a:rPr>
-              <a:t> shift </a:t>
-            </a:r>
-            <a:r>
-              <a:rPr lang="de-DE" err="1">
-                <a:cs typeface="Calibri"/>
-              </a:rPr>
-              <a:t>between</a:t>
-            </a:r>
-            <a:r>
-              <a:rPr lang="de-DE">
-                <a:cs typeface="Calibri"/>
-              </a:rPr>
-              <a:t> </a:t>
-            </a:r>
-            <a:r>
-              <a:rPr lang="de-DE" err="1">
-                <a:cs typeface="Calibri"/>
-              </a:rPr>
-              <a:t>control</a:t>
-            </a:r>
-            <a:r>
-              <a:rPr lang="de-DE">
-                <a:cs typeface="Calibri"/>
-              </a:rPr>
-              <a:t> and </a:t>
-            </a:r>
-            <a:r>
-              <a:rPr lang="de-DE" err="1">
-                <a:cs typeface="Calibri"/>
-              </a:rPr>
-              <a:t>RNase</a:t>
-            </a:r>
-            <a:r>
-              <a:rPr lang="de-DE">
-                <a:cs typeface="Calibri"/>
-              </a:rPr>
-              <a:t> sample</a:t>
-            </a:r>
-          </a:p>
-          <a:p>
-            <a:r>
-              <a:rPr lang="de-DE" err="1">
-                <a:cs typeface="Calibri"/>
-              </a:rPr>
-              <a:t>Selection</a:t>
-            </a:r>
-            <a:r>
-              <a:rPr lang="de-DE">
-                <a:cs typeface="Calibri"/>
-              </a:rPr>
-              <a:t> </a:t>
-            </a:r>
-            <a:r>
-              <a:rPr lang="de-DE" err="1">
-                <a:cs typeface="Calibri"/>
-              </a:rPr>
-              <a:t>of</a:t>
-            </a:r>
-            <a:r>
-              <a:rPr lang="de-DE">
-                <a:cs typeface="Calibri"/>
-              </a:rPr>
-              <a:t> </a:t>
-            </a:r>
-            <a:r>
-              <a:rPr lang="de-DE" err="1">
-                <a:cs typeface="Calibri"/>
-              </a:rPr>
-              <a:t>significant</a:t>
-            </a:r>
-            <a:r>
-              <a:rPr lang="de-DE">
-                <a:cs typeface="Calibri"/>
-              </a:rPr>
-              <a:t> </a:t>
-            </a:r>
-            <a:r>
-              <a:rPr lang="de-DE" err="1">
-                <a:cs typeface="Calibri"/>
-              </a:rPr>
-              <a:t>shifts</a:t>
-            </a:r>
-            <a:r>
-              <a:rPr lang="de-DE">
-                <a:cs typeface="Calibri"/>
-              </a:rPr>
-              <a:t> (p-</a:t>
-            </a:r>
-            <a:r>
-              <a:rPr lang="de-DE" err="1">
-                <a:cs typeface="Calibri"/>
-              </a:rPr>
-              <a:t>value</a:t>
-            </a:r>
-            <a:r>
-              <a:rPr lang="de-DE">
-                <a:cs typeface="Calibri"/>
-              </a:rPr>
-              <a:t> </a:t>
-            </a:r>
-            <a:r>
-              <a:rPr lang="de-DE" err="1">
-                <a:cs typeface="Calibri"/>
-              </a:rPr>
-              <a:t>tests</a:t>
-            </a:r>
-            <a:r>
-              <a:rPr lang="de-DE">
-                <a:cs typeface="Calibri"/>
-              </a:rPr>
-              <a:t>) </a:t>
-            </a:r>
-          </a:p>
-          <a:p>
-            <a:r>
-              <a:rPr lang="de-DE" err="1">
-                <a:cs typeface="Calibri"/>
-              </a:rPr>
-              <a:t>Comparing</a:t>
-            </a:r>
-            <a:r>
-              <a:rPr lang="de-DE">
-                <a:cs typeface="Calibri"/>
-              </a:rPr>
-              <a:t> </a:t>
-            </a:r>
-            <a:r>
-              <a:rPr lang="de-DE" err="1">
-                <a:cs typeface="Calibri"/>
-              </a:rPr>
-              <a:t>to</a:t>
-            </a:r>
-            <a:r>
-              <a:rPr lang="de-DE">
-                <a:cs typeface="Calibri"/>
-              </a:rPr>
-              <a:t> </a:t>
-            </a:r>
-            <a:r>
-              <a:rPr lang="de-DE" err="1">
-                <a:cs typeface="Calibri"/>
-              </a:rPr>
-              <a:t>protein</a:t>
-            </a:r>
-            <a:r>
-              <a:rPr lang="de-DE">
-                <a:cs typeface="Calibri"/>
-              </a:rPr>
-              <a:t> </a:t>
-            </a:r>
-            <a:r>
-              <a:rPr lang="de-DE" err="1">
-                <a:cs typeface="Calibri"/>
-              </a:rPr>
-              <a:t>databases</a:t>
-            </a:r>
-            <a:r>
-              <a:rPr lang="de-DE">
-                <a:cs typeface="Calibri"/>
-              </a:rPr>
-              <a:t> </a:t>
-            </a:r>
-          </a:p>
-          <a:p>
-            <a:endParaRPr lang="de-DE">
-              <a:cs typeface="Calibri"/>
-            </a:endParaRPr>
-          </a:p>
-        </p:txBody>
-      </p:sp>
-    </p:spTree>
-    <p:extLst>
-      <p:ext uri="{BB962C8B-B14F-4D97-AF65-F5344CB8AC3E}">
-        <p14:creationId xmlns:p14="http://schemas.microsoft.com/office/powerpoint/2010/main" val="2154629208"/>
-      </p:ext>
-    </p:extLst>
-  </p:cSld>
-  <p:clrMapOvr>
-    <a:masterClrMapping/>
-  </p:clrMapOvr>
-</p:sld>
-</file>
-
 <file path=ppt/slides/slide190.xml><?xml version="1.0" encoding="utf-8"?>
 <p:sld xmlns:a="http://schemas.openxmlformats.org/drawingml/2006/main" xmlns:r="http://schemas.openxmlformats.org/officeDocument/2006/relationships" xmlns:p="http://schemas.openxmlformats.org/presentationml/2006/main">
   <p:cSld>
@@ -19772,6 +21710,247 @@
 </file>
 
 <file path=ppt/slides/slide20.xml><?xml version="1.0" encoding="utf-8"?>
+<p:sld xmlns:a="http://schemas.openxmlformats.org/drawingml/2006/main" xmlns:r="http://schemas.openxmlformats.org/officeDocument/2006/relationships" xmlns:p="http://schemas.openxmlformats.org/presentationml/2006/main">
+  <p:cSld>
+    <p:spTree>
+      <p:nvGrpSpPr>
+        <p:cNvPr id="1" name=""/>
+        <p:cNvGrpSpPr/>
+        <p:nvPr/>
+      </p:nvGrpSpPr>
+      <p:grpSpPr>
+        <a:xfrm>
+          <a:off x="0" y="0"/>
+          <a:ext cx="0" cy="0"/>
+          <a:chOff x="0" y="0"/>
+          <a:chExt cx="0" cy="0"/>
+        </a:xfrm>
+      </p:grpSpPr>
+      <p:sp>
+        <p:nvSpPr>
+          <p:cNvPr id="3" name="Textfeld 2">
+            <a:extLst>
+              <a:ext uri="{FF2B5EF4-FFF2-40B4-BE49-F238E27FC236}">
+                <a16:creationId xmlns:a16="http://schemas.microsoft.com/office/drawing/2014/main" id="{016B7E3F-C943-77AF-BF51-1397AE9D42C0}"/>
+              </a:ext>
+            </a:extLst>
+          </p:cNvPr>
+          <p:cNvSpPr txBox="1"/>
+          <p:nvPr/>
+        </p:nvSpPr>
+        <p:spPr>
+          <a:xfrm>
+            <a:off x="551447" y="451184"/>
+            <a:ext cx="6166184" cy="1200329"/>
+          </a:xfrm>
+          <a:prstGeom prst="rect">
+            <a:avLst/>
+          </a:prstGeom>
+          <a:noFill/>
+        </p:spPr>
+        <p:txBody>
+          <a:bodyPr rot="0" spcFirstLastPara="0" vertOverflow="overflow" horzOverflow="overflow" vert="horz" wrap="square" lIns="91440" tIns="45720" rIns="91440" bIns="45720" numCol="1" spcCol="0" rtlCol="0" fromWordArt="0" anchor="t" anchorCtr="0" forceAA="0" compatLnSpc="1">
+            <a:prstTxWarp prst="textNoShape">
+              <a:avLst/>
+            </a:prstTxWarp>
+            <a:spAutoFit/>
+          </a:bodyPr>
+          <a:lstStyle/>
+          <a:p>
+            <a:r>
+              <a:rPr lang="de-DE" err="1">
+                <a:cs typeface="Calibri"/>
+              </a:rPr>
+              <a:t>Plotting</a:t>
+            </a:r>
+            <a:r>
+              <a:rPr lang="de-DE">
+                <a:cs typeface="Calibri"/>
+              </a:rPr>
+              <a:t> shift </a:t>
+            </a:r>
+            <a:r>
+              <a:rPr lang="de-DE" err="1">
+                <a:cs typeface="Calibri"/>
+              </a:rPr>
+              <a:t>between</a:t>
+            </a:r>
+            <a:r>
+              <a:rPr lang="de-DE">
+                <a:cs typeface="Calibri"/>
+              </a:rPr>
+              <a:t> </a:t>
+            </a:r>
+            <a:r>
+              <a:rPr lang="de-DE" err="1">
+                <a:cs typeface="Calibri"/>
+              </a:rPr>
+              <a:t>control</a:t>
+            </a:r>
+            <a:r>
+              <a:rPr lang="de-DE">
+                <a:cs typeface="Calibri"/>
+              </a:rPr>
+              <a:t> and </a:t>
+            </a:r>
+            <a:r>
+              <a:rPr lang="de-DE" err="1">
+                <a:cs typeface="Calibri"/>
+              </a:rPr>
+              <a:t>RNase</a:t>
+            </a:r>
+            <a:r>
+              <a:rPr lang="de-DE">
+                <a:cs typeface="Calibri"/>
+              </a:rPr>
+              <a:t> sample</a:t>
+            </a:r>
+          </a:p>
+          <a:p>
+            <a:r>
+              <a:rPr lang="de-DE" err="1">
+                <a:cs typeface="Calibri"/>
+              </a:rPr>
+              <a:t>Selection</a:t>
+            </a:r>
+            <a:r>
+              <a:rPr lang="de-DE">
+                <a:cs typeface="Calibri"/>
+              </a:rPr>
+              <a:t> </a:t>
+            </a:r>
+            <a:r>
+              <a:rPr lang="de-DE" err="1">
+                <a:cs typeface="Calibri"/>
+              </a:rPr>
+              <a:t>of</a:t>
+            </a:r>
+            <a:r>
+              <a:rPr lang="de-DE">
+                <a:cs typeface="Calibri"/>
+              </a:rPr>
+              <a:t> </a:t>
+            </a:r>
+            <a:r>
+              <a:rPr lang="de-DE" err="1">
+                <a:cs typeface="Calibri"/>
+              </a:rPr>
+              <a:t>significant</a:t>
+            </a:r>
+            <a:r>
+              <a:rPr lang="de-DE">
+                <a:cs typeface="Calibri"/>
+              </a:rPr>
+              <a:t> </a:t>
+            </a:r>
+            <a:r>
+              <a:rPr lang="de-DE" err="1">
+                <a:cs typeface="Calibri"/>
+              </a:rPr>
+              <a:t>shifts</a:t>
+            </a:r>
+            <a:r>
+              <a:rPr lang="de-DE">
+                <a:cs typeface="Calibri"/>
+              </a:rPr>
+              <a:t> (p-</a:t>
+            </a:r>
+            <a:r>
+              <a:rPr lang="de-DE" err="1">
+                <a:cs typeface="Calibri"/>
+              </a:rPr>
+              <a:t>value</a:t>
+            </a:r>
+            <a:r>
+              <a:rPr lang="de-DE">
+                <a:cs typeface="Calibri"/>
+              </a:rPr>
+              <a:t> </a:t>
+            </a:r>
+            <a:r>
+              <a:rPr lang="de-DE" err="1">
+                <a:cs typeface="Calibri"/>
+              </a:rPr>
+              <a:t>tests</a:t>
+            </a:r>
+            <a:r>
+              <a:rPr lang="de-DE">
+                <a:cs typeface="Calibri"/>
+              </a:rPr>
+              <a:t>) </a:t>
+            </a:r>
+          </a:p>
+          <a:p>
+            <a:r>
+              <a:rPr lang="de-DE" err="1">
+                <a:cs typeface="Calibri"/>
+              </a:rPr>
+              <a:t>Comparing</a:t>
+            </a:r>
+            <a:r>
+              <a:rPr lang="de-DE">
+                <a:cs typeface="Calibri"/>
+              </a:rPr>
+              <a:t> </a:t>
+            </a:r>
+            <a:r>
+              <a:rPr lang="de-DE" err="1">
+                <a:cs typeface="Calibri"/>
+              </a:rPr>
+              <a:t>to</a:t>
+            </a:r>
+            <a:r>
+              <a:rPr lang="de-DE">
+                <a:cs typeface="Calibri"/>
+              </a:rPr>
+              <a:t> </a:t>
+            </a:r>
+            <a:r>
+              <a:rPr lang="de-DE" err="1">
+                <a:cs typeface="Calibri"/>
+              </a:rPr>
+              <a:t>protein</a:t>
+            </a:r>
+            <a:r>
+              <a:rPr lang="de-DE">
+                <a:cs typeface="Calibri"/>
+              </a:rPr>
+              <a:t> </a:t>
+            </a:r>
+            <a:r>
+              <a:rPr lang="de-DE" err="1">
+                <a:cs typeface="Calibri"/>
+              </a:rPr>
+              <a:t>databases</a:t>
+            </a:r>
+            <a:r>
+              <a:rPr lang="de-DE">
+                <a:cs typeface="Calibri"/>
+              </a:rPr>
+              <a:t> </a:t>
+            </a:r>
+          </a:p>
+          <a:p>
+            <a:endParaRPr lang="de-DE">
+              <a:cs typeface="Calibri"/>
+            </a:endParaRPr>
+          </a:p>
+        </p:txBody>
+      </p:sp>
+    </p:spTree>
+    <p:extLst>
+      <p:ext uri="{BB962C8B-B14F-4D97-AF65-F5344CB8AC3E}">
+        <p14:creationId xmlns:p14="http://schemas.microsoft.com/office/powerpoint/2010/main" val="2154629208"/>
+      </p:ext>
+    </p:extLst>
+  </p:cSld>
+  <p:clrMapOvr>
+    <a:masterClrMapping/>
+  </p:clrMapOvr>
+</p:sld>
+</file>
+
+<file path=ppt/slides/slide21.xml><?xml version="1.0" encoding="utf-8"?>
 <p:sld xmlns:a="http://schemas.openxmlformats.org/drawingml/2006/main" xmlns:r="http://schemas.openxmlformats.org/officeDocument/2006/relationships" xmlns:p="http://schemas.openxmlformats.org/presentationml/2006/main">
   <p:cSld>
     <p:spTree>
@@ -21916,276 +24095,6 @@
 </p:sld>
 </file>
 
-<file path=ppt/slides/slide21.xml><?xml version="1.0" encoding="utf-8"?>
-<p:sld xmlns:a="http://schemas.openxmlformats.org/drawingml/2006/main" xmlns:r="http://schemas.openxmlformats.org/officeDocument/2006/relationships" xmlns:p="http://schemas.openxmlformats.org/presentationml/2006/main">
-  <p:cSld>
-    <p:spTree>
-      <p:nvGrpSpPr>
-        <p:cNvPr id="1" name=""/>
-        <p:cNvGrpSpPr/>
-        <p:nvPr/>
-      </p:nvGrpSpPr>
-      <p:grpSpPr>
-        <a:xfrm>
-          <a:off x="0" y="0"/>
-          <a:ext cx="0" cy="0"/>
-          <a:chOff x="0" y="0"/>
-          <a:chExt cx="0" cy="0"/>
-        </a:xfrm>
-      </p:grpSpPr>
-      <p:sp>
-        <p:nvSpPr>
-          <p:cNvPr id="2" name="Ellipse 1">
-            <a:extLst>
-              <a:ext uri="{FF2B5EF4-FFF2-40B4-BE49-F238E27FC236}">
-                <a16:creationId xmlns:a16="http://schemas.microsoft.com/office/drawing/2014/main" id="{3815EB12-56D4-5F3A-927C-332EB5AAABA2}"/>
-              </a:ext>
-            </a:extLst>
-          </p:cNvPr>
-          <p:cNvSpPr/>
-          <p:nvPr/>
-        </p:nvSpPr>
-        <p:spPr>
-          <a:xfrm>
-            <a:off x="-594886" y="-807193"/>
-            <a:ext cx="13381771" cy="8898058"/>
-          </a:xfrm>
-          <a:prstGeom prst="ellipse">
-            <a:avLst/>
-          </a:prstGeom>
-          <a:noFill/>
-          <a:ln w="76200">
-            <a:solidFill>
-              <a:srgbClr val="F7C3A0"/>
-            </a:solidFill>
-          </a:ln>
-        </p:spPr>
-        <p:style>
-          <a:lnRef idx="2">
-            <a:schemeClr val="accent1">
-              <a:shade val="50000"/>
-            </a:schemeClr>
-          </a:lnRef>
-          <a:fillRef idx="1">
-            <a:schemeClr val="accent1"/>
-          </a:fillRef>
-          <a:effectRef idx="0">
-            <a:schemeClr val="accent1"/>
-          </a:effectRef>
-          <a:fontRef idx="minor">
-            <a:schemeClr val="lt1"/>
-          </a:fontRef>
-        </p:style>
-        <p:txBody>
-          <a:bodyPr rtlCol="0" anchor="ctr"/>
-          <a:lstStyle/>
-          <a:p>
-            <a:pPr algn="ctr"/>
-            <a:endParaRPr lang="de-DE"/>
-          </a:p>
-        </p:txBody>
-      </p:sp>
-      <p:sp>
-        <p:nvSpPr>
-          <p:cNvPr id="3" name="Textfeld 2">
-            <a:extLst>
-              <a:ext uri="{FF2B5EF4-FFF2-40B4-BE49-F238E27FC236}">
-                <a16:creationId xmlns:a16="http://schemas.microsoft.com/office/drawing/2014/main" id="{8705F3D0-A3C3-C02A-0094-7297461DC620}"/>
-              </a:ext>
-            </a:extLst>
-          </p:cNvPr>
-          <p:cNvSpPr txBox="1"/>
-          <p:nvPr/>
-        </p:nvSpPr>
-        <p:spPr>
-          <a:xfrm>
-            <a:off x="1403684" y="1228224"/>
-            <a:ext cx="9224210" cy="923330"/>
-          </a:xfrm>
-          <a:prstGeom prst="rect">
-            <a:avLst/>
-          </a:prstGeom>
-          <a:noFill/>
-        </p:spPr>
-        <p:txBody>
-          <a:bodyPr rot="0" spcFirstLastPara="0" vertOverflow="overflow" horzOverflow="overflow" vert="horz" wrap="square" lIns="91440" tIns="45720" rIns="91440" bIns="45720" numCol="1" spcCol="0" rtlCol="0" fromWordArt="0" anchor="t" anchorCtr="0" forceAA="0" compatLnSpc="1">
-            <a:prstTxWarp prst="textNoShape">
-              <a:avLst/>
-            </a:prstTxWarp>
-            <a:spAutoFit/>
-          </a:bodyPr>
-          <a:lstStyle/>
-          <a:p>
-            <a:r>
-              <a:rPr lang="de-DE" err="1">
-                <a:cs typeface="Calibri"/>
-              </a:rPr>
-              <a:t>Defining</a:t>
-            </a:r>
-            <a:r>
-              <a:rPr lang="de-DE">
-                <a:cs typeface="Calibri"/>
-              </a:rPr>
-              <a:t> </a:t>
-            </a:r>
-            <a:r>
-              <a:rPr lang="de-DE" err="1">
-                <a:cs typeface="Calibri"/>
-              </a:rPr>
-              <a:t>shifts</a:t>
-            </a:r>
-            <a:r>
-              <a:rPr lang="de-DE">
-                <a:cs typeface="Calibri"/>
-              </a:rPr>
-              <a:t> in </a:t>
-            </a:r>
-            <a:r>
-              <a:rPr lang="de-DE" err="1">
-                <a:cs typeface="Calibri"/>
-              </a:rPr>
-              <a:t>left</a:t>
-            </a:r>
-            <a:r>
-              <a:rPr lang="de-DE">
-                <a:cs typeface="Calibri"/>
-              </a:rPr>
-              <a:t> and </a:t>
-            </a:r>
-            <a:r>
-              <a:rPr lang="de-DE" err="1">
-                <a:cs typeface="Calibri"/>
-              </a:rPr>
-              <a:t>right</a:t>
-            </a:r>
-            <a:r>
-              <a:rPr lang="de-DE">
-                <a:cs typeface="Calibri"/>
-              </a:rPr>
-              <a:t> shift </a:t>
-            </a:r>
-          </a:p>
-          <a:p>
-            <a:r>
-              <a:rPr lang="de-DE" err="1">
-                <a:cs typeface="Calibri"/>
-              </a:rPr>
-              <a:t>Comparison</a:t>
-            </a:r>
-            <a:r>
-              <a:rPr lang="de-DE">
-                <a:cs typeface="Calibri"/>
-              </a:rPr>
-              <a:t> </a:t>
-            </a:r>
-            <a:r>
-              <a:rPr lang="de-DE" err="1">
-                <a:cs typeface="Calibri"/>
-              </a:rPr>
-              <a:t>to</a:t>
-            </a:r>
-            <a:r>
-              <a:rPr lang="de-DE">
-                <a:cs typeface="Calibri"/>
-              </a:rPr>
-              <a:t> </a:t>
-            </a:r>
-            <a:r>
-              <a:rPr lang="de-DE" err="1">
-                <a:cs typeface="Calibri"/>
-              </a:rPr>
-              <a:t>databases</a:t>
-            </a:r>
-            <a:r>
-              <a:rPr lang="de-DE">
-                <a:cs typeface="Calibri"/>
-              </a:rPr>
-              <a:t> (20 </a:t>
-            </a:r>
-            <a:r>
-              <a:rPr lang="de-DE" err="1">
-                <a:cs typeface="Calibri"/>
-              </a:rPr>
-              <a:t>example</a:t>
-            </a:r>
-            <a:r>
-              <a:rPr lang="de-DE">
-                <a:cs typeface="Calibri"/>
-              </a:rPr>
-              <a:t> </a:t>
-            </a:r>
-            <a:r>
-              <a:rPr lang="de-DE" err="1">
-                <a:cs typeface="Calibri"/>
-              </a:rPr>
-              <a:t>proteins</a:t>
-            </a:r>
-            <a:r>
-              <a:rPr lang="de-DE">
-                <a:cs typeface="Calibri"/>
-              </a:rPr>
-              <a:t>) </a:t>
-            </a:r>
-          </a:p>
-          <a:p>
-            <a:r>
-              <a:rPr lang="de-DE">
-                <a:cs typeface="Calibri"/>
-              </a:rPr>
-              <a:t>Plot </a:t>
-            </a:r>
-            <a:r>
-              <a:rPr lang="de-DE" err="1">
-                <a:cs typeface="Calibri"/>
-              </a:rPr>
-              <a:t>overview</a:t>
-            </a:r>
-            <a:r>
-              <a:rPr lang="de-DE">
-                <a:cs typeface="Calibri"/>
-              </a:rPr>
-              <a:t> </a:t>
-            </a:r>
-            <a:r>
-              <a:rPr lang="de-DE" err="1">
-                <a:cs typeface="Calibri"/>
-              </a:rPr>
-              <a:t>of</a:t>
-            </a:r>
-            <a:r>
-              <a:rPr lang="de-DE">
-                <a:cs typeface="Calibri"/>
-              </a:rPr>
-              <a:t> different shift </a:t>
-            </a:r>
-            <a:r>
-              <a:rPr lang="de-DE" err="1">
-                <a:cs typeface="Calibri"/>
-              </a:rPr>
-              <a:t>categories</a:t>
-            </a:r>
-            <a:r>
-              <a:rPr lang="de-DE">
-                <a:cs typeface="Calibri"/>
-              </a:rPr>
-              <a:t> </a:t>
-            </a:r>
-          </a:p>
-        </p:txBody>
-      </p:sp>
-    </p:spTree>
-    <p:extLst>
-      <p:ext uri="{BB962C8B-B14F-4D97-AF65-F5344CB8AC3E}">
-        <p14:creationId xmlns:p14="http://schemas.microsoft.com/office/powerpoint/2010/main" val="2719094728"/>
-      </p:ext>
-    </p:extLst>
-  </p:cSld>
-  <p:clrMapOvr>
-    <a:masterClrMapping/>
-  </p:clrMapOvr>
-</p:sld>
-</file>
-
 <file path=ppt/slides/slide210.xml><?xml version="1.0" encoding="utf-8"?>
 <p:sld xmlns:a="http://schemas.openxmlformats.org/drawingml/2006/main" xmlns:r="http://schemas.openxmlformats.org/officeDocument/2006/relationships" xmlns:p="http://schemas.openxmlformats.org/presentationml/2006/main">
   <p:cSld>
@@ -22321,6 +24230,276 @@
 </file>
 
 <file path=ppt/slides/slide22.xml><?xml version="1.0" encoding="utf-8"?>
+<p:sld xmlns:a="http://schemas.openxmlformats.org/drawingml/2006/main" xmlns:r="http://schemas.openxmlformats.org/officeDocument/2006/relationships" xmlns:p="http://schemas.openxmlformats.org/presentationml/2006/main">
+  <p:cSld>
+    <p:spTree>
+      <p:nvGrpSpPr>
+        <p:cNvPr id="1" name=""/>
+        <p:cNvGrpSpPr/>
+        <p:nvPr/>
+      </p:nvGrpSpPr>
+      <p:grpSpPr>
+        <a:xfrm>
+          <a:off x="0" y="0"/>
+          <a:ext cx="0" cy="0"/>
+          <a:chOff x="0" y="0"/>
+          <a:chExt cx="0" cy="0"/>
+        </a:xfrm>
+      </p:grpSpPr>
+      <p:sp>
+        <p:nvSpPr>
+          <p:cNvPr id="2" name="Ellipse 1">
+            <a:extLst>
+              <a:ext uri="{FF2B5EF4-FFF2-40B4-BE49-F238E27FC236}">
+                <a16:creationId xmlns:a16="http://schemas.microsoft.com/office/drawing/2014/main" id="{3815EB12-56D4-5F3A-927C-332EB5AAABA2}"/>
+              </a:ext>
+            </a:extLst>
+          </p:cNvPr>
+          <p:cNvSpPr/>
+          <p:nvPr/>
+        </p:nvSpPr>
+        <p:spPr>
+          <a:xfrm>
+            <a:off x="-594886" y="-807193"/>
+            <a:ext cx="13381771" cy="8898058"/>
+          </a:xfrm>
+          <a:prstGeom prst="ellipse">
+            <a:avLst/>
+          </a:prstGeom>
+          <a:noFill/>
+          <a:ln w="76200">
+            <a:solidFill>
+              <a:srgbClr val="F7C3A0"/>
+            </a:solidFill>
+          </a:ln>
+        </p:spPr>
+        <p:style>
+          <a:lnRef idx="2">
+            <a:schemeClr val="accent1">
+              <a:shade val="50000"/>
+            </a:schemeClr>
+          </a:lnRef>
+          <a:fillRef idx="1">
+            <a:schemeClr val="accent1"/>
+          </a:fillRef>
+          <a:effectRef idx="0">
+            <a:schemeClr val="accent1"/>
+          </a:effectRef>
+          <a:fontRef idx="minor">
+            <a:schemeClr val="lt1"/>
+          </a:fontRef>
+        </p:style>
+        <p:txBody>
+          <a:bodyPr rtlCol="0" anchor="ctr"/>
+          <a:lstStyle/>
+          <a:p>
+            <a:pPr algn="ctr"/>
+            <a:endParaRPr lang="de-DE"/>
+          </a:p>
+        </p:txBody>
+      </p:sp>
+      <p:sp>
+        <p:nvSpPr>
+          <p:cNvPr id="3" name="Textfeld 2">
+            <a:extLst>
+              <a:ext uri="{FF2B5EF4-FFF2-40B4-BE49-F238E27FC236}">
+                <a16:creationId xmlns:a16="http://schemas.microsoft.com/office/drawing/2014/main" id="{8705F3D0-A3C3-C02A-0094-7297461DC620}"/>
+              </a:ext>
+            </a:extLst>
+          </p:cNvPr>
+          <p:cNvSpPr txBox="1"/>
+          <p:nvPr/>
+        </p:nvSpPr>
+        <p:spPr>
+          <a:xfrm>
+            <a:off x="1403684" y="1228224"/>
+            <a:ext cx="9224210" cy="923330"/>
+          </a:xfrm>
+          <a:prstGeom prst="rect">
+            <a:avLst/>
+          </a:prstGeom>
+          <a:noFill/>
+        </p:spPr>
+        <p:txBody>
+          <a:bodyPr rot="0" spcFirstLastPara="0" vertOverflow="overflow" horzOverflow="overflow" vert="horz" wrap="square" lIns="91440" tIns="45720" rIns="91440" bIns="45720" numCol="1" spcCol="0" rtlCol="0" fromWordArt="0" anchor="t" anchorCtr="0" forceAA="0" compatLnSpc="1">
+            <a:prstTxWarp prst="textNoShape">
+              <a:avLst/>
+            </a:prstTxWarp>
+            <a:spAutoFit/>
+          </a:bodyPr>
+          <a:lstStyle/>
+          <a:p>
+            <a:r>
+              <a:rPr lang="de-DE" err="1">
+                <a:cs typeface="Calibri"/>
+              </a:rPr>
+              <a:t>Defining</a:t>
+            </a:r>
+            <a:r>
+              <a:rPr lang="de-DE">
+                <a:cs typeface="Calibri"/>
+              </a:rPr>
+              <a:t> </a:t>
+            </a:r>
+            <a:r>
+              <a:rPr lang="de-DE" err="1">
+                <a:cs typeface="Calibri"/>
+              </a:rPr>
+              <a:t>shifts</a:t>
+            </a:r>
+            <a:r>
+              <a:rPr lang="de-DE">
+                <a:cs typeface="Calibri"/>
+              </a:rPr>
+              <a:t> in </a:t>
+            </a:r>
+            <a:r>
+              <a:rPr lang="de-DE" err="1">
+                <a:cs typeface="Calibri"/>
+              </a:rPr>
+              <a:t>left</a:t>
+            </a:r>
+            <a:r>
+              <a:rPr lang="de-DE">
+                <a:cs typeface="Calibri"/>
+              </a:rPr>
+              <a:t> and </a:t>
+            </a:r>
+            <a:r>
+              <a:rPr lang="de-DE" err="1">
+                <a:cs typeface="Calibri"/>
+              </a:rPr>
+              <a:t>right</a:t>
+            </a:r>
+            <a:r>
+              <a:rPr lang="de-DE">
+                <a:cs typeface="Calibri"/>
+              </a:rPr>
+              <a:t> shift </a:t>
+            </a:r>
+          </a:p>
+          <a:p>
+            <a:r>
+              <a:rPr lang="de-DE" err="1">
+                <a:cs typeface="Calibri"/>
+              </a:rPr>
+              <a:t>Comparison</a:t>
+            </a:r>
+            <a:r>
+              <a:rPr lang="de-DE">
+                <a:cs typeface="Calibri"/>
+              </a:rPr>
+              <a:t> </a:t>
+            </a:r>
+            <a:r>
+              <a:rPr lang="de-DE" err="1">
+                <a:cs typeface="Calibri"/>
+              </a:rPr>
+              <a:t>to</a:t>
+            </a:r>
+            <a:r>
+              <a:rPr lang="de-DE">
+                <a:cs typeface="Calibri"/>
+              </a:rPr>
+              <a:t> </a:t>
+            </a:r>
+            <a:r>
+              <a:rPr lang="de-DE" err="1">
+                <a:cs typeface="Calibri"/>
+              </a:rPr>
+              <a:t>databases</a:t>
+            </a:r>
+            <a:r>
+              <a:rPr lang="de-DE">
+                <a:cs typeface="Calibri"/>
+              </a:rPr>
+              <a:t> (20 </a:t>
+            </a:r>
+            <a:r>
+              <a:rPr lang="de-DE" err="1">
+                <a:cs typeface="Calibri"/>
+              </a:rPr>
+              <a:t>example</a:t>
+            </a:r>
+            <a:r>
+              <a:rPr lang="de-DE">
+                <a:cs typeface="Calibri"/>
+              </a:rPr>
+              <a:t> </a:t>
+            </a:r>
+            <a:r>
+              <a:rPr lang="de-DE" err="1">
+                <a:cs typeface="Calibri"/>
+              </a:rPr>
+              <a:t>proteins</a:t>
+            </a:r>
+            <a:r>
+              <a:rPr lang="de-DE">
+                <a:cs typeface="Calibri"/>
+              </a:rPr>
+              <a:t>) </a:t>
+            </a:r>
+          </a:p>
+          <a:p>
+            <a:r>
+              <a:rPr lang="de-DE">
+                <a:cs typeface="Calibri"/>
+              </a:rPr>
+              <a:t>Plot </a:t>
+            </a:r>
+            <a:r>
+              <a:rPr lang="de-DE" err="1">
+                <a:cs typeface="Calibri"/>
+              </a:rPr>
+              <a:t>overview</a:t>
+            </a:r>
+            <a:r>
+              <a:rPr lang="de-DE">
+                <a:cs typeface="Calibri"/>
+              </a:rPr>
+              <a:t> </a:t>
+            </a:r>
+            <a:r>
+              <a:rPr lang="de-DE" err="1">
+                <a:cs typeface="Calibri"/>
+              </a:rPr>
+              <a:t>of</a:t>
+            </a:r>
+            <a:r>
+              <a:rPr lang="de-DE">
+                <a:cs typeface="Calibri"/>
+              </a:rPr>
+              <a:t> different shift </a:t>
+            </a:r>
+            <a:r>
+              <a:rPr lang="de-DE" err="1">
+                <a:cs typeface="Calibri"/>
+              </a:rPr>
+              <a:t>categories</a:t>
+            </a:r>
+            <a:r>
+              <a:rPr lang="de-DE">
+                <a:cs typeface="Calibri"/>
+              </a:rPr>
+              <a:t> </a:t>
+            </a:r>
+          </a:p>
+        </p:txBody>
+      </p:sp>
+    </p:spTree>
+    <p:extLst>
+      <p:ext uri="{BB962C8B-B14F-4D97-AF65-F5344CB8AC3E}">
+        <p14:creationId xmlns:p14="http://schemas.microsoft.com/office/powerpoint/2010/main" val="2719094728"/>
+      </p:ext>
+    </p:extLst>
+  </p:cSld>
+  <p:clrMapOvr>
+    <a:masterClrMapping/>
+  </p:clrMapOvr>
+</p:sld>
+</file>
+
+<file path=ppt/slides/slide23.xml><?xml version="1.0" encoding="utf-8"?>
 <p:sld xmlns:a="http://schemas.openxmlformats.org/drawingml/2006/main" xmlns:r="http://schemas.openxmlformats.org/officeDocument/2006/relationships" xmlns:p="http://schemas.openxmlformats.org/presentationml/2006/main">
   <p:cSld>
     <p:spTree>
@@ -24501,7 +26680,7 @@
 </p:sld>
 </file>
 
-<file path=ppt/slides/slide23.xml><?xml version="1.0" encoding="utf-8"?>
+<file path=ppt/slides/slide24.xml><?xml version="1.0" encoding="utf-8"?>
 <p:sld xmlns:a="http://schemas.openxmlformats.org/drawingml/2006/main" xmlns:r="http://schemas.openxmlformats.org/officeDocument/2006/relationships" xmlns:p="http://schemas.openxmlformats.org/presentationml/2006/main">
   <p:cSld>
     <p:spTree>
@@ -24763,7 +26942,7 @@
 </p:sld>
 </file>
 
-<file path=ppt/slides/slide24.xml><?xml version="1.0" encoding="utf-8"?>
+<file path=ppt/slides/slide25.xml><?xml version="1.0" encoding="utf-8"?>
 <p:sld xmlns:a="http://schemas.openxmlformats.org/drawingml/2006/main" xmlns:r="http://schemas.openxmlformats.org/officeDocument/2006/relationships" xmlns:p="http://schemas.openxmlformats.org/presentationml/2006/main">
   <p:cSld>
     <p:spTree>
@@ -26986,7 +29165,7 @@
 </p:sld>
 </file>
 
-<file path=ppt/slides/slide25.xml><?xml version="1.0" encoding="utf-8"?>
+<file path=ppt/slides/slide26.xml><?xml version="1.0" encoding="utf-8"?>
 <p:sld xmlns:a="http://schemas.openxmlformats.org/drawingml/2006/main" xmlns:r="http://schemas.openxmlformats.org/officeDocument/2006/relationships" xmlns:p="http://schemas.openxmlformats.org/presentationml/2006/main">
   <p:cSld>
     <p:spTree>
@@ -27152,7 +29331,7 @@
 </p:sld>
 </file>
 
-<file path=ppt/slides/slide26.xml><?xml version="1.0" encoding="utf-8"?>
+<file path=ppt/slides/slide27.xml><?xml version="1.0" encoding="utf-8"?>
 <p:sld xmlns:a="http://schemas.openxmlformats.org/drawingml/2006/main" xmlns:r="http://schemas.openxmlformats.org/officeDocument/2006/relationships" xmlns:p="http://schemas.openxmlformats.org/presentationml/2006/main">
   <p:cSld>
     <p:spTree>
@@ -29417,7 +31596,7 @@
 </p:sld>
 </file>
 
-<file path=ppt/slides/slide27.xml><?xml version="1.0" encoding="utf-8"?>
+<file path=ppt/slides/slide28.xml><?xml version="1.0" encoding="utf-8"?>
 <p:sld xmlns:a="http://schemas.openxmlformats.org/drawingml/2006/main" xmlns:r="http://schemas.openxmlformats.org/officeDocument/2006/relationships" xmlns:p="http://schemas.openxmlformats.org/presentationml/2006/main">
   <p:cSld>
     <p:spTree>
@@ -29551,7 +31730,7 @@
 </p:sld>
 </file>
 
-<file path=ppt/slides/slide28.xml><?xml version="1.0" encoding="utf-8"?>
+<file path=ppt/slides/slide29.xml><?xml version="1.0" encoding="utf-8"?>
 <p:sld xmlns:a="http://schemas.openxmlformats.org/drawingml/2006/main" xmlns:r="http://schemas.openxmlformats.org/officeDocument/2006/relationships" xmlns:p="http://schemas.openxmlformats.org/presentationml/2006/main">
   <p:cSld>
     <p:spTree>
@@ -29647,111 +31826,6 @@
     <p:extLst>
       <p:ext uri="{BB962C8B-B14F-4D97-AF65-F5344CB8AC3E}">
         <p14:creationId xmlns:p14="http://schemas.microsoft.com/office/powerpoint/2010/main" val="1923845966"/>
-      </p:ext>
-    </p:extLst>
-  </p:cSld>
-  <p:clrMapOvr>
-    <a:masterClrMapping/>
-  </p:clrMapOvr>
-</p:sld>
-</file>
-
-<file path=ppt/slides/slide29.xml><?xml version="1.0" encoding="utf-8"?>
-<p:sld xmlns:a="http://schemas.openxmlformats.org/drawingml/2006/main" xmlns:r="http://schemas.openxmlformats.org/officeDocument/2006/relationships" xmlns:p="http://schemas.openxmlformats.org/presentationml/2006/main">
-  <p:cSld>
-    <p:spTree>
-      <p:nvGrpSpPr>
-        <p:cNvPr id="1" name=""/>
-        <p:cNvGrpSpPr/>
-        <p:nvPr/>
-      </p:nvGrpSpPr>
-      <p:grpSpPr>
-        <a:xfrm>
-          <a:off x="0" y="0"/>
-          <a:ext cx="0" cy="0"/>
-          <a:chOff x="0" y="0"/>
-          <a:chExt cx="0" cy="0"/>
-        </a:xfrm>
-      </p:grpSpPr>
-      <p:sp>
-        <p:nvSpPr>
-          <p:cNvPr id="2" name="Textfeld 1">
-            <a:extLst>
-              <a:ext uri="{FF2B5EF4-FFF2-40B4-BE49-F238E27FC236}">
-                <a16:creationId xmlns:a16="http://schemas.microsoft.com/office/drawing/2014/main" id="{41487788-3E63-09BE-5481-5C6443302741}"/>
-              </a:ext>
-            </a:extLst>
-          </p:cNvPr>
-          <p:cNvSpPr txBox="1"/>
-          <p:nvPr/>
-        </p:nvSpPr>
-        <p:spPr>
-          <a:xfrm>
-            <a:off x="0" y="486574"/>
-            <a:ext cx="12192000" cy="523220"/>
-          </a:xfrm>
-          <a:prstGeom prst="rect">
-            <a:avLst/>
-          </a:prstGeom>
-          <a:noFill/>
-        </p:spPr>
-        <p:txBody>
-          <a:bodyPr wrap="square">
-            <a:spAutoFit/>
-          </a:bodyPr>
-          <a:lstStyle/>
-          <a:p>
-            <a:r>
-              <a:rPr lang="de-DE" sz="2800">
-                <a:latin typeface="Arial" panose="020B0604020202020204" pitchFamily="34" charset="0"/>
-                <a:cs typeface="Arial" panose="020B0604020202020204" pitchFamily="34" charset="0"/>
-              </a:rPr>
-              <a:t>	DATASET -&gt; genauer auf die Daten eingehen</a:t>
-            </a:r>
-          </a:p>
-        </p:txBody>
-      </p:sp>
-      <p:cxnSp>
-        <p:nvCxnSpPr>
-          <p:cNvPr id="3" name="Gerader Verbinder 2">
-            <a:extLst>
-              <a:ext uri="{FF2B5EF4-FFF2-40B4-BE49-F238E27FC236}">
-                <a16:creationId xmlns:a16="http://schemas.microsoft.com/office/drawing/2014/main" id="{026FEF6B-EB0F-2499-47AE-92C9117F4BE6}"/>
-              </a:ext>
-            </a:extLst>
-          </p:cNvPr>
-          <p:cNvCxnSpPr/>
-          <p:nvPr/>
-        </p:nvCxnSpPr>
-        <p:spPr>
-          <a:xfrm>
-            <a:off x="0" y="1004415"/>
-            <a:ext cx="12269096" cy="0"/>
-          </a:xfrm>
-          <a:prstGeom prst="line">
-            <a:avLst/>
-          </a:prstGeom>
-          <a:ln w="12700"/>
-        </p:spPr>
-        <p:style>
-          <a:lnRef idx="1">
-            <a:schemeClr val="dk1"/>
-          </a:lnRef>
-          <a:fillRef idx="0">
-            <a:schemeClr val="dk1"/>
-          </a:fillRef>
-          <a:effectRef idx="0">
-            <a:schemeClr val="dk1"/>
-          </a:effectRef>
-          <a:fontRef idx="minor">
-            <a:schemeClr val="tx1"/>
-          </a:fontRef>
-        </p:style>
-      </p:cxnSp>
-    </p:spTree>
-    <p:extLst>
-      <p:ext uri="{BB962C8B-B14F-4D97-AF65-F5344CB8AC3E}">
-        <p14:creationId xmlns:p14="http://schemas.microsoft.com/office/powerpoint/2010/main" val="3949991913"/>
       </p:ext>
     </p:extLst>
   </p:cSld>
@@ -30509,6 +32583,111 @@
           <p:cNvPr id="2" name="Textfeld 1">
             <a:extLst>
               <a:ext uri="{FF2B5EF4-FFF2-40B4-BE49-F238E27FC236}">
+                <a16:creationId xmlns:a16="http://schemas.microsoft.com/office/drawing/2014/main" id="{41487788-3E63-09BE-5481-5C6443302741}"/>
+              </a:ext>
+            </a:extLst>
+          </p:cNvPr>
+          <p:cNvSpPr txBox="1"/>
+          <p:nvPr/>
+        </p:nvSpPr>
+        <p:spPr>
+          <a:xfrm>
+            <a:off x="0" y="486574"/>
+            <a:ext cx="12192000" cy="523220"/>
+          </a:xfrm>
+          <a:prstGeom prst="rect">
+            <a:avLst/>
+          </a:prstGeom>
+          <a:noFill/>
+        </p:spPr>
+        <p:txBody>
+          <a:bodyPr wrap="square">
+            <a:spAutoFit/>
+          </a:bodyPr>
+          <a:lstStyle/>
+          <a:p>
+            <a:r>
+              <a:rPr lang="de-DE" sz="2800">
+                <a:latin typeface="Arial" panose="020B0604020202020204" pitchFamily="34" charset="0"/>
+                <a:cs typeface="Arial" panose="020B0604020202020204" pitchFamily="34" charset="0"/>
+              </a:rPr>
+              <a:t>	DATASET -&gt; genauer auf die Daten eingehen</a:t>
+            </a:r>
+          </a:p>
+        </p:txBody>
+      </p:sp>
+      <p:cxnSp>
+        <p:nvCxnSpPr>
+          <p:cNvPr id="3" name="Gerader Verbinder 2">
+            <a:extLst>
+              <a:ext uri="{FF2B5EF4-FFF2-40B4-BE49-F238E27FC236}">
+                <a16:creationId xmlns:a16="http://schemas.microsoft.com/office/drawing/2014/main" id="{026FEF6B-EB0F-2499-47AE-92C9117F4BE6}"/>
+              </a:ext>
+            </a:extLst>
+          </p:cNvPr>
+          <p:cNvCxnSpPr/>
+          <p:nvPr/>
+        </p:nvCxnSpPr>
+        <p:spPr>
+          <a:xfrm>
+            <a:off x="0" y="1004415"/>
+            <a:ext cx="12269096" cy="0"/>
+          </a:xfrm>
+          <a:prstGeom prst="line">
+            <a:avLst/>
+          </a:prstGeom>
+          <a:ln w="12700"/>
+        </p:spPr>
+        <p:style>
+          <a:lnRef idx="1">
+            <a:schemeClr val="dk1"/>
+          </a:lnRef>
+          <a:fillRef idx="0">
+            <a:schemeClr val="dk1"/>
+          </a:fillRef>
+          <a:effectRef idx="0">
+            <a:schemeClr val="dk1"/>
+          </a:effectRef>
+          <a:fontRef idx="minor">
+            <a:schemeClr val="tx1"/>
+          </a:fontRef>
+        </p:style>
+      </p:cxnSp>
+    </p:spTree>
+    <p:extLst>
+      <p:ext uri="{BB962C8B-B14F-4D97-AF65-F5344CB8AC3E}">
+        <p14:creationId xmlns:p14="http://schemas.microsoft.com/office/powerpoint/2010/main" val="3949991913"/>
+      </p:ext>
+    </p:extLst>
+  </p:cSld>
+  <p:clrMapOvr>
+    <a:masterClrMapping/>
+  </p:clrMapOvr>
+</p:sld>
+</file>
+
+<file path=ppt/slides/slide31.xml><?xml version="1.0" encoding="utf-8"?>
+<p:sld xmlns:a="http://schemas.openxmlformats.org/drawingml/2006/main" xmlns:r="http://schemas.openxmlformats.org/officeDocument/2006/relationships" xmlns:p="http://schemas.openxmlformats.org/presentationml/2006/main">
+  <p:cSld>
+    <p:spTree>
+      <p:nvGrpSpPr>
+        <p:cNvPr id="1" name=""/>
+        <p:cNvGrpSpPr/>
+        <p:nvPr/>
+      </p:nvGrpSpPr>
+      <p:grpSpPr>
+        <a:xfrm>
+          <a:off x="0" y="0"/>
+          <a:ext cx="0" cy="0"/>
+          <a:chOff x="0" y="0"/>
+          <a:chExt cx="0" cy="0"/>
+        </a:xfrm>
+      </p:grpSpPr>
+      <p:sp>
+        <p:nvSpPr>
+          <p:cNvPr id="2" name="Textfeld 1">
+            <a:extLst>
+              <a:ext uri="{FF2B5EF4-FFF2-40B4-BE49-F238E27FC236}">
                 <a16:creationId xmlns:a16="http://schemas.microsoft.com/office/drawing/2014/main" id="{169F6FC3-3BA2-8D12-E447-4792831B62D0}"/>
               </a:ext>
             </a:extLst>
@@ -30592,7 +32771,7 @@
 </p:sld>
 </file>
 
-<file path=ppt/slides/slide31.xml><?xml version="1.0" encoding="utf-8"?>
+<file path=ppt/slides/slide32.xml><?xml version="1.0" encoding="utf-8"?>
 <p:sld xmlns:a="http://schemas.openxmlformats.org/drawingml/2006/main" xmlns:r="http://schemas.openxmlformats.org/officeDocument/2006/relationships" xmlns:p="http://schemas.openxmlformats.org/presentationml/2006/main">
   <p:cSld>
     <p:spTree>
@@ -30622,7 +32801,7 @@
 </p:sld>
 </file>
 
-<file path=ppt/slides/slide32.xml><?xml version="1.0" encoding="utf-8"?>
+<file path=ppt/slides/slide33.xml><?xml version="1.0" encoding="utf-8"?>
 <p:sld xmlns:a="http://schemas.openxmlformats.org/drawingml/2006/main" xmlns:r="http://schemas.openxmlformats.org/officeDocument/2006/relationships" xmlns:p="http://schemas.openxmlformats.org/presentationml/2006/main">
   <p:cSld>
     <p:spTree>
@@ -30845,7 +33024,7 @@
 </p:sld>
 </file>
 
-<file path=ppt/slides/slide33.xml><?xml version="1.0" encoding="utf-8"?>
+<file path=ppt/slides/slide34.xml><?xml version="1.0" encoding="utf-8"?>
 <p:sld xmlns:a="http://schemas.openxmlformats.org/drawingml/2006/main" xmlns:r="http://schemas.openxmlformats.org/officeDocument/2006/relationships" xmlns:p="http://schemas.openxmlformats.org/presentationml/2006/main">
   <p:cSld>
     <p:spTree>
